--- a/Presentations/Milestone.pptx
+++ b/Presentations/Milestone.pptx
@@ -20,6 +20,7 @@
     <p:sldId id="266" r:id="rId15"/>
     <p:sldId id="267" r:id="rId16"/>
     <p:sldId id="268" r:id="rId17"/>
+    <p:sldId id="269" r:id="rId18"/>
   </p:sldIdLst>
   <p:sldSz cx="9144000" cy="6858000"/>
   <p:notesSz cx="7772400" cy="10058400"/>
@@ -4485,7 +4486,7 @@
         <p:spPr>
           <a:xfrm>
             <a:off x="6097320" y="6268680"/>
-            <a:ext cx="979560" cy="326880"/>
+            <a:ext cx="979200" cy="326520"/>
           </a:xfrm>
           <a:prstGeom prst="rect">
             <a:avLst/>
@@ -4508,7 +4509,7 @@
         <p:spPr>
           <a:xfrm>
             <a:off x="7193160" y="6268680"/>
-            <a:ext cx="1414440" cy="320400"/>
+            <a:ext cx="1414080" cy="320040"/>
           </a:xfrm>
           <a:prstGeom prst="rect">
             <a:avLst/>
@@ -4559,7 +4560,7 @@
         <p:spPr>
           <a:xfrm>
             <a:off x="6163920" y="365760"/>
-            <a:ext cx="2521440" cy="1409400"/>
+            <a:ext cx="2521080" cy="1409040"/>
           </a:xfrm>
           <a:prstGeom prst="rect">
             <a:avLst/>
@@ -4945,7 +4946,7 @@
         <p:spPr>
           <a:xfrm>
             <a:off x="7191000" y="476640"/>
-            <a:ext cx="1414800" cy="790200"/>
+            <a:ext cx="1414440" cy="789840"/>
           </a:xfrm>
           <a:prstGeom prst="rect">
             <a:avLst/>
@@ -4968,7 +4969,7 @@
         <p:spPr>
           <a:xfrm>
             <a:off x="6097320" y="6268680"/>
-            <a:ext cx="979560" cy="326880"/>
+            <a:ext cx="979200" cy="326520"/>
           </a:xfrm>
           <a:prstGeom prst="rect">
             <a:avLst/>
@@ -4991,7 +4992,7 @@
         <p:spPr>
           <a:xfrm>
             <a:off x="7193160" y="6268680"/>
-            <a:ext cx="1414440" cy="320400"/>
+            <a:ext cx="1414080" cy="320040"/>
           </a:xfrm>
           <a:prstGeom prst="rect">
             <a:avLst/>
@@ -5377,7 +5378,7 @@
         <p:spPr>
           <a:xfrm>
             <a:off x="6097320" y="6268680"/>
-            <a:ext cx="979560" cy="326880"/>
+            <a:ext cx="979200" cy="326520"/>
           </a:xfrm>
           <a:prstGeom prst="rect">
             <a:avLst/>
@@ -5400,7 +5401,7 @@
         <p:spPr>
           <a:xfrm>
             <a:off x="7193160" y="6268680"/>
-            <a:ext cx="1414440" cy="320400"/>
+            <a:ext cx="1414080" cy="320040"/>
           </a:xfrm>
           <a:prstGeom prst="rect">
             <a:avLst/>
@@ -5423,7 +5424,7 @@
         <p:spPr>
           <a:xfrm>
             <a:off x="6126480" y="273600"/>
-            <a:ext cx="2521440" cy="1409400"/>
+            <a:ext cx="2521080" cy="1409040"/>
           </a:xfrm>
           <a:prstGeom prst="rect">
             <a:avLst/>
@@ -5826,7 +5827,7 @@
         <p:spPr>
           <a:xfrm>
             <a:off x="539640" y="3813840"/>
-            <a:ext cx="8059680" cy="1475640"/>
+            <a:ext cx="8059320" cy="1475280"/>
           </a:xfrm>
           <a:prstGeom prst="rect">
             <a:avLst/>
@@ -5916,7 +5917,7 @@
         <p:spPr>
           <a:xfrm>
             <a:off x="539640" y="5486400"/>
-            <a:ext cx="8059680" cy="455760"/>
+            <a:ext cx="8059320" cy="455400"/>
           </a:xfrm>
           <a:prstGeom prst="rect">
             <a:avLst/>
@@ -6078,14 +6079,14 @@
       </p:grpSpPr>
       <p:sp>
         <p:nvSpPr>
-          <p:cNvPr id="156" name="CustomShape 1"/>
+          <p:cNvPr id="162" name="CustomShape 1"/>
           <p:cNvSpPr/>
           <p:nvPr/>
         </p:nvSpPr>
         <p:spPr>
           <a:xfrm>
             <a:off x="539640" y="476640"/>
-            <a:ext cx="6478920" cy="811080"/>
+            <a:ext cx="6478560" cy="810720"/>
           </a:xfrm>
           <a:prstGeom prst="rect">
             <a:avLst/>
@@ -6140,14 +6141,14 @@
       </p:sp>
       <p:sp>
         <p:nvSpPr>
-          <p:cNvPr id="157" name="CustomShape 2"/>
+          <p:cNvPr id="163" name="CustomShape 2"/>
           <p:cNvSpPr/>
           <p:nvPr/>
         </p:nvSpPr>
         <p:spPr>
           <a:xfrm>
             <a:off x="539640" y="6295320"/>
-            <a:ext cx="5478480" cy="363240"/>
+            <a:ext cx="5478120" cy="362880"/>
           </a:xfrm>
           <a:prstGeom prst="rect">
             <a:avLst/>
@@ -6238,14 +6239,14 @@
       </p:sp>
       <p:sp>
         <p:nvSpPr>
-          <p:cNvPr id="158" name="CustomShape 3"/>
+          <p:cNvPr id="164" name="CustomShape 3"/>
           <p:cNvSpPr/>
           <p:nvPr/>
         </p:nvSpPr>
         <p:spPr>
           <a:xfrm>
             <a:off x="8607600" y="6492960"/>
-            <a:ext cx="534600" cy="363240"/>
+            <a:ext cx="534240" cy="362880"/>
           </a:xfrm>
           <a:prstGeom prst="rect">
             <a:avLst/>
@@ -6264,14 +6265,14 @@
       </p:sp>
       <p:sp>
         <p:nvSpPr>
-          <p:cNvPr id="159" name="CustomShape 4"/>
+          <p:cNvPr id="165" name="CustomShape 4"/>
           <p:cNvSpPr/>
           <p:nvPr/>
         </p:nvSpPr>
         <p:spPr>
           <a:xfrm>
             <a:off x="4529880" y="2377440"/>
-            <a:ext cx="3332880" cy="1362960"/>
+            <a:ext cx="3332520" cy="1362600"/>
           </a:xfrm>
           <a:prstGeom prst="rect">
             <a:avLst/>
@@ -6290,14 +6291,14 @@
       </p:sp>
       <p:sp>
         <p:nvSpPr>
-          <p:cNvPr id="160" name="CustomShape 5"/>
+          <p:cNvPr id="166" name="CustomShape 5"/>
           <p:cNvSpPr/>
           <p:nvPr/>
         </p:nvSpPr>
         <p:spPr>
           <a:xfrm>
             <a:off x="365760" y="1463040"/>
-            <a:ext cx="4387680" cy="4387680"/>
+            <a:ext cx="4387320" cy="4387320"/>
           </a:xfrm>
           <a:prstGeom prst="rect">
             <a:avLst/>
@@ -6360,7 +6361,7 @@
       </p:sp>
       <p:pic>
         <p:nvPicPr>
-          <p:cNvPr id="161" name="" descr=""/>
+          <p:cNvPr id="167" name="" descr=""/>
           <p:cNvPicPr/>
           <p:nvPr/>
         </p:nvPicPr>
@@ -6371,7 +6372,7 @@
         <p:spPr>
           <a:xfrm>
             <a:off x="1779840" y="1620360"/>
-            <a:ext cx="7204320" cy="4062240"/>
+            <a:ext cx="7203960" cy="4061880"/>
           </a:xfrm>
           <a:prstGeom prst="rect">
             <a:avLst/>
@@ -6432,14 +6433,14 @@
       </p:grpSpPr>
       <p:sp>
         <p:nvSpPr>
-          <p:cNvPr id="162" name="CustomShape 1"/>
+          <p:cNvPr id="168" name="CustomShape 1"/>
           <p:cNvSpPr/>
           <p:nvPr/>
         </p:nvSpPr>
         <p:spPr>
           <a:xfrm>
             <a:off x="539640" y="476640"/>
-            <a:ext cx="6478920" cy="811080"/>
+            <a:ext cx="6478560" cy="810720"/>
           </a:xfrm>
           <a:prstGeom prst="rect">
             <a:avLst/>
@@ -6494,14 +6495,14 @@
       </p:sp>
       <p:sp>
         <p:nvSpPr>
-          <p:cNvPr id="163" name="CustomShape 2"/>
+          <p:cNvPr id="169" name="CustomShape 2"/>
           <p:cNvSpPr/>
           <p:nvPr/>
         </p:nvSpPr>
         <p:spPr>
           <a:xfrm>
             <a:off x="539640" y="6295320"/>
-            <a:ext cx="5478480" cy="363240"/>
+            <a:ext cx="5478120" cy="362880"/>
           </a:xfrm>
           <a:prstGeom prst="rect">
             <a:avLst/>
@@ -6592,14 +6593,14 @@
       </p:sp>
       <p:sp>
         <p:nvSpPr>
-          <p:cNvPr id="164" name="CustomShape 3"/>
+          <p:cNvPr id="170" name="CustomShape 3"/>
           <p:cNvSpPr/>
           <p:nvPr/>
         </p:nvSpPr>
         <p:spPr>
           <a:xfrm>
             <a:off x="8607600" y="6492960"/>
-            <a:ext cx="534600" cy="363240"/>
+            <a:ext cx="534240" cy="362880"/>
           </a:xfrm>
           <a:prstGeom prst="rect">
             <a:avLst/>
@@ -6618,14 +6619,14 @@
       </p:sp>
       <p:sp>
         <p:nvSpPr>
-          <p:cNvPr id="165" name="CustomShape 4"/>
+          <p:cNvPr id="171" name="CustomShape 4"/>
           <p:cNvSpPr/>
           <p:nvPr/>
         </p:nvSpPr>
         <p:spPr>
           <a:xfrm>
             <a:off x="4529880" y="2377440"/>
-            <a:ext cx="3332880" cy="1362960"/>
+            <a:ext cx="3332520" cy="1362600"/>
           </a:xfrm>
           <a:prstGeom prst="rect">
             <a:avLst/>
@@ -6644,14 +6645,14 @@
       </p:sp>
       <p:sp>
         <p:nvSpPr>
-          <p:cNvPr id="166" name="CustomShape 5"/>
+          <p:cNvPr id="172" name="CustomShape 5"/>
           <p:cNvSpPr/>
           <p:nvPr/>
         </p:nvSpPr>
         <p:spPr>
           <a:xfrm>
             <a:off x="365760" y="1463040"/>
-            <a:ext cx="4387680" cy="4387680"/>
+            <a:ext cx="4387320" cy="4387320"/>
           </a:xfrm>
           <a:prstGeom prst="rect">
             <a:avLst/>
@@ -6757,7 +6758,7 @@
       </p:sp>
       <p:pic>
         <p:nvPicPr>
-          <p:cNvPr id="167" name="" descr=""/>
+          <p:cNvPr id="173" name="" descr=""/>
           <p:cNvPicPr/>
           <p:nvPr/>
         </p:nvPicPr>
@@ -6768,7 +6769,7 @@
         <p:spPr>
           <a:xfrm>
             <a:off x="3211920" y="1659960"/>
-            <a:ext cx="5382360" cy="4191120"/>
+            <a:ext cx="5382000" cy="4190760"/>
           </a:xfrm>
           <a:prstGeom prst="rect">
             <a:avLst/>
@@ -6829,14 +6830,14 @@
       </p:grpSpPr>
       <p:sp>
         <p:nvSpPr>
-          <p:cNvPr id="168" name="CustomShape 1"/>
+          <p:cNvPr id="174" name="CustomShape 1"/>
           <p:cNvSpPr/>
           <p:nvPr/>
         </p:nvSpPr>
         <p:spPr>
           <a:xfrm>
             <a:off x="539640" y="476640"/>
-            <a:ext cx="6478920" cy="811080"/>
+            <a:ext cx="6478560" cy="810720"/>
           </a:xfrm>
           <a:prstGeom prst="rect">
             <a:avLst/>
@@ -6891,14 +6892,14 @@
       </p:sp>
       <p:sp>
         <p:nvSpPr>
-          <p:cNvPr id="169" name="CustomShape 2"/>
+          <p:cNvPr id="175" name="CustomShape 2"/>
           <p:cNvSpPr/>
           <p:nvPr/>
         </p:nvSpPr>
         <p:spPr>
           <a:xfrm>
             <a:off x="539640" y="6295320"/>
-            <a:ext cx="5478480" cy="363240"/>
+            <a:ext cx="5478120" cy="362880"/>
           </a:xfrm>
           <a:prstGeom prst="rect">
             <a:avLst/>
@@ -6989,14 +6990,14 @@
       </p:sp>
       <p:sp>
         <p:nvSpPr>
-          <p:cNvPr id="170" name="CustomShape 3"/>
+          <p:cNvPr id="176" name="CustomShape 3"/>
           <p:cNvSpPr/>
           <p:nvPr/>
         </p:nvSpPr>
         <p:spPr>
           <a:xfrm>
             <a:off x="8607600" y="6492960"/>
-            <a:ext cx="534600" cy="363240"/>
+            <a:ext cx="534240" cy="362880"/>
           </a:xfrm>
           <a:prstGeom prst="rect">
             <a:avLst/>
@@ -7015,14 +7016,14 @@
       </p:sp>
       <p:sp>
         <p:nvSpPr>
-          <p:cNvPr id="171" name="CustomShape 4"/>
+          <p:cNvPr id="177" name="CustomShape 4"/>
           <p:cNvSpPr/>
           <p:nvPr/>
         </p:nvSpPr>
         <p:spPr>
           <a:xfrm>
             <a:off x="4529880" y="2377440"/>
-            <a:ext cx="3332880" cy="1362960"/>
+            <a:ext cx="3332520" cy="1362600"/>
           </a:xfrm>
           <a:prstGeom prst="rect">
             <a:avLst/>
@@ -7041,14 +7042,14 @@
       </p:sp>
       <p:sp>
         <p:nvSpPr>
-          <p:cNvPr id="172" name="CustomShape 5"/>
+          <p:cNvPr id="178" name="CustomShape 5"/>
           <p:cNvSpPr/>
           <p:nvPr/>
         </p:nvSpPr>
         <p:spPr>
           <a:xfrm>
             <a:off x="365760" y="1463040"/>
-            <a:ext cx="4387680" cy="4387680"/>
+            <a:ext cx="4387320" cy="4387320"/>
           </a:xfrm>
           <a:prstGeom prst="rect">
             <a:avLst/>
@@ -7187,7 +7188,7 @@
       </p:sp>
       <p:pic>
         <p:nvPicPr>
-          <p:cNvPr id="173" name="" descr=""/>
+          <p:cNvPr id="179" name="" descr=""/>
           <p:cNvPicPr/>
           <p:nvPr/>
         </p:nvPicPr>
@@ -7198,7 +7199,7 @@
         <p:spPr>
           <a:xfrm>
             <a:off x="1783080" y="1618560"/>
-            <a:ext cx="7204320" cy="4059000"/>
+            <a:ext cx="7203960" cy="4058640"/>
           </a:xfrm>
           <a:prstGeom prst="rect">
             <a:avLst/>
@@ -7259,14 +7260,14 @@
       </p:grpSpPr>
       <p:sp>
         <p:nvSpPr>
-          <p:cNvPr id="174" name="CustomShape 1"/>
+          <p:cNvPr id="180" name="CustomShape 1"/>
           <p:cNvSpPr/>
           <p:nvPr/>
         </p:nvSpPr>
         <p:spPr>
           <a:xfrm>
             <a:off x="539640" y="476640"/>
-            <a:ext cx="6478920" cy="811080"/>
+            <a:ext cx="6478560" cy="810720"/>
           </a:xfrm>
           <a:prstGeom prst="rect">
             <a:avLst/>
@@ -7321,14 +7322,14 @@
       </p:sp>
       <p:sp>
         <p:nvSpPr>
-          <p:cNvPr id="175" name="CustomShape 2"/>
+          <p:cNvPr id="181" name="CustomShape 2"/>
           <p:cNvSpPr/>
           <p:nvPr/>
         </p:nvSpPr>
         <p:spPr>
           <a:xfrm>
             <a:off x="539640" y="6295320"/>
-            <a:ext cx="5478480" cy="363240"/>
+            <a:ext cx="5478120" cy="362880"/>
           </a:xfrm>
           <a:prstGeom prst="rect">
             <a:avLst/>
@@ -7419,14 +7420,14 @@
       </p:sp>
       <p:sp>
         <p:nvSpPr>
-          <p:cNvPr id="176" name="CustomShape 3"/>
+          <p:cNvPr id="182" name="CustomShape 3"/>
           <p:cNvSpPr/>
           <p:nvPr/>
         </p:nvSpPr>
         <p:spPr>
           <a:xfrm>
             <a:off x="8607600" y="6492960"/>
-            <a:ext cx="534600" cy="363240"/>
+            <a:ext cx="534240" cy="362880"/>
           </a:xfrm>
           <a:prstGeom prst="rect">
             <a:avLst/>
@@ -7445,14 +7446,14 @@
       </p:sp>
       <p:sp>
         <p:nvSpPr>
-          <p:cNvPr id="177" name="CustomShape 4"/>
+          <p:cNvPr id="183" name="CustomShape 4"/>
           <p:cNvSpPr/>
           <p:nvPr/>
         </p:nvSpPr>
         <p:spPr>
           <a:xfrm>
             <a:off x="4529880" y="2377440"/>
-            <a:ext cx="3332880" cy="1362960"/>
+            <a:ext cx="3332520" cy="1362600"/>
           </a:xfrm>
           <a:prstGeom prst="rect">
             <a:avLst/>
@@ -7471,14 +7472,14 @@
       </p:sp>
       <p:sp>
         <p:nvSpPr>
-          <p:cNvPr id="178" name="CustomShape 5"/>
+          <p:cNvPr id="184" name="CustomShape 5"/>
           <p:cNvSpPr/>
           <p:nvPr/>
         </p:nvSpPr>
         <p:spPr>
           <a:xfrm>
             <a:off x="365760" y="1463040"/>
-            <a:ext cx="4387680" cy="4387680"/>
+            <a:ext cx="4387320" cy="4387320"/>
           </a:xfrm>
           <a:prstGeom prst="rect">
             <a:avLst/>
@@ -7657,6 +7658,398 @@
           <p:childTnLst>
             <p:seq>
               <p:cTn id="26" nodeType="mainSeq"/>
+              <p:prevCondLst>
+                <p:cond delay="0" evt="onPrev">
+                  <p:tgtEl>
+                    <p:sldTgt/>
+                  </p:tgtEl>
+                </p:cond>
+              </p:prevCondLst>
+              <p:nextCondLst>
+                <p:cond delay="0" evt="onNext">
+                  <p:tgtEl>
+                    <p:sldTgt/>
+                  </p:tgtEl>
+                </p:cond>
+              </p:nextCondLst>
+            </p:seq>
+          </p:childTnLst>
+        </p:cTn>
+      </p:par>
+    </p:tnLst>
+  </p:timing>
+</p:sld>
+</file>
+
+<file path=ppt/slides/slide14.xml><?xml version="1.0" encoding="utf-8"?>
+<p:sld xmlns:a="http://schemas.openxmlformats.org/drawingml/2006/main" xmlns:p="http://schemas.openxmlformats.org/presentationml/2006/main" xmlns:r="http://schemas.openxmlformats.org/officeDocument/2006/relationships" xmlns:p14="http://schemas.microsoft.com/office/powerpoint/2010/main" xmlns:p15="http://schemas.microsoft.com/office/powerpoint/2012/main" xmlns:mc="http://schemas.openxmlformats.org/markup-compatibility/2006">
+  <p:cSld>
+    <p:spTree>
+      <p:nvGrpSpPr>
+        <p:cNvPr id="1" name=""/>
+        <p:cNvGrpSpPr/>
+        <p:nvPr/>
+      </p:nvGrpSpPr>
+      <p:grpSpPr>
+        <a:xfrm>
+          <a:off x="0" y="0"/>
+          <a:ext cx="0" cy="0"/>
+          <a:chOff x="0" y="0"/>
+          <a:chExt cx="0" cy="0"/>
+        </a:xfrm>
+      </p:grpSpPr>
+      <p:sp>
+        <p:nvSpPr>
+          <p:cNvPr id="185" name="CustomShape 1"/>
+          <p:cNvSpPr/>
+          <p:nvPr/>
+        </p:nvSpPr>
+        <p:spPr>
+          <a:xfrm>
+            <a:off x="539640" y="476640"/>
+            <a:ext cx="6478560" cy="810720"/>
+          </a:xfrm>
+          <a:prstGeom prst="rect">
+            <a:avLst/>
+          </a:prstGeom>
+          <a:noFill/>
+          <a:ln>
+            <a:noFill/>
+          </a:ln>
+        </p:spPr>
+        <p:style>
+          <a:lnRef idx="0"/>
+          <a:fillRef idx="0"/>
+          <a:effectRef idx="0"/>
+          <a:fontRef idx="minor"/>
+        </p:style>
+        <p:txBody>
+          <a:bodyPr lIns="0" rIns="0" tIns="0" bIns="0"/>
+          <a:p>
+            <a:pPr marL="25560">
+              <a:lnSpc>
+                <a:spcPct val="100000"/>
+              </a:lnSpc>
+            </a:pPr>
+            <a:r>
+              <a:rPr b="0" lang="en-US" sz="2800" spc="-1" strike="noStrike">
+                <a:solidFill>
+                  <a:srgbClr val="c50e1f"/>
+                </a:solidFill>
+                <a:uFill>
+                  <a:solidFill>
+                    <a:srgbClr val="ffffff"/>
+                  </a:solidFill>
+                </a:uFill>
+                <a:latin typeface="Arial"/>
+                <a:ea typeface="MS PGothic"/>
+              </a:rPr>
+              <a:t>References</a:t>
+            </a:r>
+            <a:endParaRPr b="0" lang="en-US" sz="1800" spc="-1" strike="noStrike">
+              <a:solidFill>
+                <a:srgbClr val="000000"/>
+              </a:solidFill>
+              <a:uFill>
+                <a:solidFill>
+                  <a:srgbClr val="ffffff"/>
+                </a:solidFill>
+              </a:uFill>
+              <a:latin typeface="Arial"/>
+            </a:endParaRPr>
+          </a:p>
+        </p:txBody>
+      </p:sp>
+      <p:sp>
+        <p:nvSpPr>
+          <p:cNvPr id="186" name="CustomShape 2"/>
+          <p:cNvSpPr/>
+          <p:nvPr/>
+        </p:nvSpPr>
+        <p:spPr>
+          <a:xfrm>
+            <a:off x="539640" y="6295320"/>
+            <a:ext cx="5478120" cy="362880"/>
+          </a:xfrm>
+          <a:prstGeom prst="rect">
+            <a:avLst/>
+          </a:prstGeom>
+          <a:noFill/>
+          <a:ln>
+            <a:noFill/>
+          </a:ln>
+        </p:spPr>
+        <p:style>
+          <a:lnRef idx="0"/>
+          <a:fillRef idx="0"/>
+          <a:effectRef idx="0"/>
+          <a:fontRef idx="minor"/>
+        </p:style>
+        <p:txBody>
+          <a:bodyPr lIns="90000" rIns="90000" tIns="45000" bIns="45000" anchor="ctr"/>
+          <a:p>
+            <a:r>
+              <a:rPr b="0" lang="en-US" sz="1100" spc="-1" strike="noStrike">
+                <a:solidFill>
+                  <a:srgbClr val="8b8b8b"/>
+                </a:solidFill>
+                <a:uFill>
+                  <a:solidFill>
+                    <a:srgbClr val="ffffff"/>
+                  </a:solidFill>
+                </a:uFill>
+                <a:latin typeface="Arial"/>
+                <a:ea typeface="MS PGothic"/>
+              </a:rPr>
+              <a:t>Clustering of Complex Datasets</a:t>
+            </a:r>
+            <a:endParaRPr b="0" lang="en-US" sz="1800" spc="-1" strike="noStrike">
+              <a:solidFill>
+                <a:srgbClr val="000000"/>
+              </a:solidFill>
+              <a:uFill>
+                <a:solidFill>
+                  <a:srgbClr val="ffffff"/>
+                </a:solidFill>
+              </a:uFill>
+              <a:latin typeface="Arial"/>
+            </a:endParaRPr>
+          </a:p>
+          <a:p>
+            <a:r>
+              <a:rPr b="0" lang="en-US" sz="1100" spc="-1" strike="noStrike">
+                <a:solidFill>
+                  <a:srgbClr val="8b8b8b"/>
+                </a:solidFill>
+                <a:uFill>
+                  <a:solidFill>
+                    <a:srgbClr val="ffffff"/>
+                  </a:solidFill>
+                </a:uFill>
+                <a:latin typeface="Arial"/>
+                <a:ea typeface="MS PGothic"/>
+              </a:rPr>
+              <a:t>Ahmed Tidjani, Fabio Buso, Paul Velthuis &amp; Zahin Azher</a:t>
+            </a:r>
+            <a:endParaRPr b="0" lang="en-US" sz="1800" spc="-1" strike="noStrike">
+              <a:solidFill>
+                <a:srgbClr val="000000"/>
+              </a:solidFill>
+              <a:uFill>
+                <a:solidFill>
+                  <a:srgbClr val="ffffff"/>
+                </a:solidFill>
+              </a:uFill>
+              <a:latin typeface="Arial"/>
+            </a:endParaRPr>
+          </a:p>
+          <a:p>
+            <a:endParaRPr b="0" lang="en-US" sz="1800" spc="-1" strike="noStrike">
+              <a:solidFill>
+                <a:srgbClr val="000000"/>
+              </a:solidFill>
+              <a:uFill>
+                <a:solidFill>
+                  <a:srgbClr val="ffffff"/>
+                </a:solidFill>
+              </a:uFill>
+              <a:latin typeface="Arial"/>
+            </a:endParaRPr>
+          </a:p>
+        </p:txBody>
+      </p:sp>
+      <p:sp>
+        <p:nvSpPr>
+          <p:cNvPr id="187" name="CustomShape 3"/>
+          <p:cNvSpPr/>
+          <p:nvPr/>
+        </p:nvSpPr>
+        <p:spPr>
+          <a:xfrm>
+            <a:off x="8607600" y="6492960"/>
+            <a:ext cx="534240" cy="362880"/>
+          </a:xfrm>
+          <a:prstGeom prst="rect">
+            <a:avLst/>
+          </a:prstGeom>
+          <a:noFill/>
+          <a:ln>
+            <a:noFill/>
+          </a:ln>
+        </p:spPr>
+        <p:style>
+          <a:lnRef idx="0"/>
+          <a:fillRef idx="0"/>
+          <a:effectRef idx="0"/>
+          <a:fontRef idx="minor"/>
+        </p:style>
+      </p:sp>
+      <p:sp>
+        <p:nvSpPr>
+          <p:cNvPr id="188" name="CustomShape 4"/>
+          <p:cNvSpPr/>
+          <p:nvPr/>
+        </p:nvSpPr>
+        <p:spPr>
+          <a:xfrm>
+            <a:off x="4529880" y="2377440"/>
+            <a:ext cx="3332520" cy="1362600"/>
+          </a:xfrm>
+          <a:prstGeom prst="rect">
+            <a:avLst/>
+          </a:prstGeom>
+          <a:noFill/>
+          <a:ln>
+            <a:noFill/>
+          </a:ln>
+        </p:spPr>
+        <p:style>
+          <a:lnRef idx="0"/>
+          <a:fillRef idx="0"/>
+          <a:effectRef idx="0"/>
+          <a:fontRef idx="minor"/>
+        </p:style>
+      </p:sp>
+      <p:sp>
+        <p:nvSpPr>
+          <p:cNvPr id="189" name="CustomShape 5"/>
+          <p:cNvSpPr/>
+          <p:nvPr/>
+        </p:nvSpPr>
+        <p:spPr>
+          <a:xfrm>
+            <a:off x="365760" y="1463040"/>
+            <a:ext cx="8595360" cy="4387320"/>
+          </a:xfrm>
+          <a:prstGeom prst="rect">
+            <a:avLst/>
+          </a:prstGeom>
+          <a:noFill/>
+          <a:ln>
+            <a:noFill/>
+          </a:ln>
+        </p:spPr>
+        <p:style>
+          <a:lnRef idx="0"/>
+          <a:fillRef idx="0"/>
+          <a:effectRef idx="0"/>
+          <a:fontRef idx="minor"/>
+        </p:style>
+        <p:txBody>
+          <a:bodyPr lIns="90000" rIns="90000" tIns="45000" bIns="45000" anchor="ctr"/>
+          <a:p>
+            <a:pPr>
+              <a:lnSpc>
+                <a:spcPct val="150000"/>
+              </a:lnSpc>
+            </a:pPr>
+            <a:r>
+              <a:rPr b="0" lang="en-US" sz="1800" spc="-1" strike="noStrike">
+                <a:solidFill>
+                  <a:srgbClr val="000000"/>
+                </a:solidFill>
+                <a:uFill>
+                  <a:solidFill>
+                    <a:srgbClr val="ffffff"/>
+                  </a:solidFill>
+                </a:uFill>
+                <a:latin typeface="Arial"/>
+                <a:ea typeface="DejaVu Sans"/>
+              </a:rPr>
+              <a:t>[1] Ankerst, M., Breunig, M. M., Kriegel, H. P., &amp; Sander, J. (1999, June). OPTICS: ordering points to identify the clustering structure. In ACM Sigmod Record (Vol. 28, No. 2, pp. 49-60). ACM.</a:t>
+            </a:r>
+            <a:endParaRPr b="0" lang="en-US" sz="1800" spc="-1" strike="noStrike">
+              <a:solidFill>
+                <a:srgbClr val="000000"/>
+              </a:solidFill>
+              <a:uFill>
+                <a:solidFill>
+                  <a:srgbClr val="ffffff"/>
+                </a:solidFill>
+              </a:uFill>
+              <a:latin typeface="Arial"/>
+            </a:endParaRPr>
+          </a:p>
+          <a:p>
+            <a:pPr>
+              <a:lnSpc>
+                <a:spcPct val="150000"/>
+              </a:lnSpc>
+            </a:pPr>
+            <a:r>
+              <a:rPr b="0" lang="en-US" sz="1800" spc="-1" strike="noStrike">
+                <a:solidFill>
+                  <a:srgbClr val="000000"/>
+                </a:solidFill>
+                <a:uFill>
+                  <a:solidFill>
+                    <a:srgbClr val="ffffff"/>
+                  </a:solidFill>
+                </a:uFill>
+                <a:latin typeface="Arial"/>
+                <a:ea typeface="DejaVu Sans"/>
+              </a:rPr>
+              <a:t>[2] Zelnik-Manor, L., &amp; Perona, P. (2004). Self-tuning spectral clustering. InAdvances in neural information processing systems (pp. 1601-1608).</a:t>
+            </a:r>
+            <a:endParaRPr b="0" lang="en-US" sz="1800" spc="-1" strike="noStrike">
+              <a:solidFill>
+                <a:srgbClr val="000000"/>
+              </a:solidFill>
+              <a:uFill>
+                <a:solidFill>
+                  <a:srgbClr val="ffffff"/>
+                </a:solidFill>
+              </a:uFill>
+              <a:latin typeface="Arial"/>
+            </a:endParaRPr>
+          </a:p>
+          <a:p>
+            <a:pPr>
+              <a:lnSpc>
+                <a:spcPct val="150000"/>
+              </a:lnSpc>
+            </a:pPr>
+            <a:endParaRPr b="0" lang="en-US" sz="1800" spc="-1" strike="noStrike">
+              <a:solidFill>
+                <a:srgbClr val="000000"/>
+              </a:solidFill>
+              <a:uFill>
+                <a:solidFill>
+                  <a:srgbClr val="ffffff"/>
+                </a:solidFill>
+              </a:uFill>
+              <a:latin typeface="Arial"/>
+            </a:endParaRPr>
+          </a:p>
+          <a:p>
+            <a:pPr>
+              <a:lnSpc>
+                <a:spcPct val="150000"/>
+              </a:lnSpc>
+            </a:pPr>
+            <a:endParaRPr b="0" lang="en-US" sz="1800" spc="-1" strike="noStrike">
+              <a:solidFill>
+                <a:srgbClr val="000000"/>
+              </a:solidFill>
+              <a:uFill>
+                <a:solidFill>
+                  <a:srgbClr val="ffffff"/>
+                </a:solidFill>
+              </a:uFill>
+              <a:latin typeface="Arial"/>
+            </a:endParaRPr>
+          </a:p>
+        </p:txBody>
+      </p:sp>
+    </p:spTree>
+  </p:cSld>
+  <p:timing>
+    <p:tnLst>
+      <p:par>
+        <p:cTn id="27" dur="indefinite" restart="never" nodeType="tmRoot">
+          <p:childTnLst>
+            <p:seq>
+              <p:cTn id="28" nodeType="mainSeq"/>
               <p:prevCondLst>
                 <p:cond delay="0" evt="onPrev">
                   <p:tgtEl>
@@ -7710,7 +8103,7 @@
         <p:spPr>
           <a:xfrm>
             <a:off x="534240" y="1737360"/>
-            <a:ext cx="8059680" cy="3996000"/>
+            <a:ext cx="8059320" cy="3995640"/>
           </a:xfrm>
           <a:prstGeom prst="rect">
             <a:avLst/>
@@ -7729,7 +8122,7 @@
         <p:spPr>
           <a:xfrm>
             <a:off x="539640" y="476640"/>
-            <a:ext cx="6478920" cy="811080"/>
+            <a:ext cx="6478560" cy="810720"/>
           </a:xfrm>
           <a:prstGeom prst="rect">
             <a:avLst/>
@@ -7791,7 +8184,7 @@
         <p:spPr>
           <a:xfrm>
             <a:off x="539640" y="6295320"/>
-            <a:ext cx="5478480" cy="363240"/>
+            <a:ext cx="5478120" cy="362880"/>
           </a:xfrm>
           <a:prstGeom prst="rect">
             <a:avLst/>
@@ -7889,7 +8282,7 @@
         <p:spPr>
           <a:xfrm>
             <a:off x="8607600" y="6492960"/>
-            <a:ext cx="534600" cy="363240"/>
+            <a:ext cx="534240" cy="362880"/>
           </a:xfrm>
           <a:prstGeom prst="rect">
             <a:avLst/>
@@ -7915,7 +8308,7 @@
         <p:spPr>
           <a:xfrm>
             <a:off x="4529880" y="2743200"/>
-            <a:ext cx="1778040" cy="826560"/>
+            <a:ext cx="1777680" cy="826200"/>
           </a:xfrm>
           <a:prstGeom prst="rect">
             <a:avLst/>
@@ -7931,6 +8324,56 @@
           <a:effectRef idx="0"/>
           <a:fontRef idx="minor"/>
         </p:style>
+      </p:sp>
+      <p:sp>
+        <p:nvSpPr>
+          <p:cNvPr id="126" name="TextShape 5"/>
+          <p:cNvSpPr txBox="1"/>
+          <p:nvPr/>
+        </p:nvSpPr>
+        <p:spPr>
+          <a:xfrm>
+            <a:off x="8470800" y="5552640"/>
+            <a:ext cx="326880" cy="346320"/>
+          </a:xfrm>
+          <a:prstGeom prst="rect">
+            <a:avLst/>
+          </a:prstGeom>
+          <a:noFill/>
+          <a:ln>
+            <a:noFill/>
+          </a:ln>
+        </p:spPr>
+        <p:txBody>
+          <a:bodyPr lIns="90000" rIns="90000" tIns="45000" bIns="45000"/>
+          <a:p>
+            <a:r>
+              <a:rPr b="0" lang="en-US" sz="1800" spc="-1" strike="noStrike" baseline="33000">
+                <a:solidFill>
+                  <a:srgbClr val="000000"/>
+                </a:solidFill>
+                <a:uFill>
+                  <a:solidFill>
+                    <a:srgbClr val="ffffff"/>
+                  </a:solidFill>
+                </a:uFill>
+                <a:latin typeface="Arial"/>
+              </a:rPr>
+              <a:t>[2]</a:t>
+            </a:r>
+            <a:endParaRPr b="0" lang="en-US" sz="1800" spc="-1" strike="noStrike" baseline="33000">
+              <a:solidFill>
+                <a:srgbClr val="000000"/>
+              </a:solidFill>
+              <a:uFill>
+                <a:solidFill>
+                  <a:srgbClr val="ffffff"/>
+                </a:solidFill>
+              </a:uFill>
+              <a:latin typeface="Arial"/>
+            </a:endParaRPr>
+          </a:p>
+        </p:txBody>
       </p:sp>
     </p:spTree>
   </p:cSld>
@@ -7983,14 +8426,14 @@
       </p:grpSpPr>
       <p:sp>
         <p:nvSpPr>
-          <p:cNvPr id="126" name="CustomShape 1"/>
+          <p:cNvPr id="127" name="CustomShape 1"/>
           <p:cNvSpPr/>
           <p:nvPr/>
         </p:nvSpPr>
         <p:spPr>
           <a:xfrm>
             <a:off x="539640" y="476640"/>
-            <a:ext cx="6478920" cy="811080"/>
+            <a:ext cx="6478560" cy="810720"/>
           </a:xfrm>
           <a:prstGeom prst="rect">
             <a:avLst/>
@@ -8045,14 +8488,14 @@
       </p:sp>
       <p:sp>
         <p:nvSpPr>
-          <p:cNvPr id="127" name="CustomShape 2"/>
+          <p:cNvPr id="128" name="CustomShape 2"/>
           <p:cNvSpPr/>
           <p:nvPr/>
         </p:nvSpPr>
         <p:spPr>
           <a:xfrm>
             <a:off x="539640" y="6295320"/>
-            <a:ext cx="5478480" cy="363240"/>
+            <a:ext cx="5478120" cy="362880"/>
           </a:xfrm>
           <a:prstGeom prst="rect">
             <a:avLst/>
@@ -8143,14 +8586,14 @@
       </p:sp>
       <p:sp>
         <p:nvSpPr>
-          <p:cNvPr id="128" name="CustomShape 3"/>
+          <p:cNvPr id="129" name="CustomShape 3"/>
           <p:cNvSpPr/>
           <p:nvPr/>
         </p:nvSpPr>
         <p:spPr>
           <a:xfrm>
             <a:off x="8607600" y="6492960"/>
-            <a:ext cx="534600" cy="363240"/>
+            <a:ext cx="534240" cy="362880"/>
           </a:xfrm>
           <a:prstGeom prst="rect">
             <a:avLst/>
@@ -8169,14 +8612,14 @@
       </p:sp>
       <p:sp>
         <p:nvSpPr>
-          <p:cNvPr id="129" name="CustomShape 4"/>
+          <p:cNvPr id="130" name="CustomShape 4"/>
           <p:cNvSpPr/>
           <p:nvPr/>
         </p:nvSpPr>
         <p:spPr>
           <a:xfrm>
             <a:off x="4529880" y="2743200"/>
-            <a:ext cx="1778040" cy="826560"/>
+            <a:ext cx="1777680" cy="826200"/>
           </a:xfrm>
           <a:prstGeom prst="rect">
             <a:avLst/>
@@ -8195,14 +8638,14 @@
       </p:sp>
       <p:sp>
         <p:nvSpPr>
-          <p:cNvPr id="130" name="CustomShape 5"/>
+          <p:cNvPr id="131" name="CustomShape 5"/>
           <p:cNvSpPr/>
           <p:nvPr/>
         </p:nvSpPr>
         <p:spPr>
           <a:xfrm>
             <a:off x="365760" y="1463040"/>
-            <a:ext cx="4387680" cy="4387680"/>
+            <a:ext cx="4387320" cy="4387320"/>
           </a:xfrm>
           <a:prstGeom prst="rect">
             <a:avLst/>
@@ -8320,7 +8763,7 @@
             </a:endParaRPr>
           </a:p>
           <a:p>
-            <a:pPr marL="216000" indent="-214560">
+            <a:pPr marL="216000" indent="-214200">
               <a:lnSpc>
                 <a:spcPct val="100000"/>
               </a:lnSpc>
@@ -8359,7 +8802,7 @@
             </a:endParaRPr>
           </a:p>
           <a:p>
-            <a:pPr marL="216000" indent="-214560">
+            <a:pPr marL="216000" indent="-214200">
               <a:lnSpc>
                 <a:spcPct val="100000"/>
               </a:lnSpc>
@@ -8398,7 +8841,7 @@
             </a:endParaRPr>
           </a:p>
           <a:p>
-            <a:pPr marL="216000" indent="-214560">
+            <a:pPr marL="216000" indent="-214200">
               <a:lnSpc>
                 <a:spcPct val="100000"/>
               </a:lnSpc>
@@ -8437,7 +8880,7 @@
             </a:endParaRPr>
           </a:p>
           <a:p>
-            <a:pPr marL="216000" indent="-214560">
+            <a:pPr marL="216000" indent="-214200">
               <a:lnSpc>
                 <a:spcPct val="100000"/>
               </a:lnSpc>
@@ -8479,7 +8922,7 @@
       </p:sp>
       <p:pic>
         <p:nvPicPr>
-          <p:cNvPr id="131" name="" descr=""/>
+          <p:cNvPr id="132" name="" descr=""/>
           <p:cNvPicPr/>
           <p:nvPr/>
         </p:nvPicPr>
@@ -8490,7 +8933,7 @@
         <p:spPr>
           <a:xfrm>
             <a:off x="3931920" y="1620360"/>
-            <a:ext cx="5175720" cy="4138920"/>
+            <a:ext cx="5175360" cy="4138560"/>
           </a:xfrm>
           <a:prstGeom prst="rect">
             <a:avLst/>
@@ -8500,6 +8943,57 @@
           </a:ln>
         </p:spPr>
       </p:pic>
+      <p:sp>
+        <p:nvSpPr>
+          <p:cNvPr id="133" name="TextShape 6"/>
+          <p:cNvSpPr txBox="1"/>
+          <p:nvPr/>
+        </p:nvSpPr>
+        <p:spPr>
+          <a:xfrm>
+            <a:off x="5943600" y="5564160"/>
+            <a:ext cx="1660680" cy="290160"/>
+          </a:xfrm>
+          <a:prstGeom prst="rect">
+            <a:avLst/>
+          </a:prstGeom>
+          <a:noFill/>
+          <a:ln>
+            <a:noFill/>
+          </a:ln>
+        </p:spPr>
+        <p:txBody>
+          <a:bodyPr lIns="90000" rIns="90000" tIns="45000" bIns="45000"/>
+          <a:p>
+            <a:r>
+              <a:rPr b="0" lang="en-US" sz="1400" spc="-1" strike="noStrike">
+                <a:solidFill>
+                  <a:srgbClr val="8b8b8b"/>
+                </a:solidFill>
+                <a:uFill>
+                  <a:solidFill>
+                    <a:srgbClr val="ffffff"/>
+                  </a:solidFill>
+                </a:uFill>
+                <a:latin typeface="Arial"/>
+              </a:rPr>
+              <a:t>kMeans Clustering</a:t>
+            </a:r>
+            <a:endParaRPr b="0" lang="en-US" sz="1400" spc="-1" strike="noStrike">
+              <a:solidFill>
+                <a:srgbClr val="8b8b8b"/>
+              </a:solidFill>
+              <a:uFill>
+                <a:solidFill>
+                  <a:srgbClr val="ffffff"/>
+                </a:solidFill>
+              </a:uFill>
+              <a:latin typeface="Arial"/>
+              <a:ea typeface="MS PGothic"/>
+            </a:endParaRPr>
+          </a:p>
+        </p:txBody>
+      </p:sp>
     </p:spTree>
   </p:cSld>
   <p:timing>
@@ -8551,14 +9045,14 @@
       </p:grpSpPr>
       <p:sp>
         <p:nvSpPr>
-          <p:cNvPr id="132" name="CustomShape 1"/>
+          <p:cNvPr id="134" name="CustomShape 1"/>
           <p:cNvSpPr/>
           <p:nvPr/>
         </p:nvSpPr>
         <p:spPr>
           <a:xfrm>
             <a:off x="539640" y="476640"/>
-            <a:ext cx="6478920" cy="811080"/>
+            <a:ext cx="6478560" cy="810720"/>
           </a:xfrm>
           <a:prstGeom prst="rect">
             <a:avLst/>
@@ -8597,6 +9091,21 @@
               </a:rPr>
               <a:t>OPTICS</a:t>
             </a:r>
+            <a:r>
+              <a:rPr b="0" lang="en-US" sz="2800" spc="-1" strike="noStrike" baseline="33000">
+                <a:solidFill>
+                  <a:srgbClr val="c50e1f"/>
+                </a:solidFill>
+                <a:uFill>
+                  <a:solidFill>
+                    <a:srgbClr val="ffffff"/>
+                  </a:solidFill>
+                </a:uFill>
+                <a:latin typeface="Arial"/>
+                <a:ea typeface="MS PGothic"/>
+              </a:rPr>
+              <a:t> [1]</a:t>
+            </a:r>
             <a:endParaRPr b="0" lang="en-US" sz="1800" spc="-1" strike="noStrike">
               <a:solidFill>
                 <a:srgbClr val="000000"/>
@@ -8613,14 +9122,14 @@
       </p:sp>
       <p:sp>
         <p:nvSpPr>
-          <p:cNvPr id="133" name="CustomShape 2"/>
+          <p:cNvPr id="135" name="CustomShape 2"/>
           <p:cNvSpPr/>
           <p:nvPr/>
         </p:nvSpPr>
         <p:spPr>
           <a:xfrm>
             <a:off x="539640" y="6295320"/>
-            <a:ext cx="5478480" cy="363240"/>
+            <a:ext cx="5478120" cy="362880"/>
           </a:xfrm>
           <a:prstGeom prst="rect">
             <a:avLst/>
@@ -8711,14 +9220,14 @@
       </p:sp>
       <p:sp>
         <p:nvSpPr>
-          <p:cNvPr id="134" name="CustomShape 3"/>
+          <p:cNvPr id="136" name="CustomShape 3"/>
           <p:cNvSpPr/>
           <p:nvPr/>
         </p:nvSpPr>
         <p:spPr>
           <a:xfrm>
             <a:off x="8607600" y="6492960"/>
-            <a:ext cx="534600" cy="363240"/>
+            <a:ext cx="534240" cy="362880"/>
           </a:xfrm>
           <a:prstGeom prst="rect">
             <a:avLst/>
@@ -8737,14 +9246,14 @@
       </p:sp>
       <p:sp>
         <p:nvSpPr>
-          <p:cNvPr id="135" name="CustomShape 4"/>
+          <p:cNvPr id="137" name="CustomShape 4"/>
           <p:cNvSpPr/>
           <p:nvPr/>
         </p:nvSpPr>
         <p:spPr>
           <a:xfrm>
             <a:off x="365760" y="1463040"/>
-            <a:ext cx="4387680" cy="4387680"/>
+            <a:ext cx="4387320" cy="4387320"/>
           </a:xfrm>
           <a:prstGeom prst="rect">
             <a:avLst/>
@@ -8832,7 +9341,7 @@
             </a:endParaRPr>
           </a:p>
           <a:p>
-            <a:pPr marL="216000" indent="-214560">
+            <a:pPr marL="216000" indent="-214200">
               <a:lnSpc>
                 <a:spcPct val="100000"/>
               </a:lnSpc>
@@ -8886,7 +9395,7 @@
             </a:endParaRPr>
           </a:p>
           <a:p>
-            <a:pPr marL="216000" indent="-214560">
+            <a:pPr marL="216000" indent="-214200">
               <a:lnSpc>
                 <a:spcPct val="100000"/>
               </a:lnSpc>
@@ -8940,7 +9449,7 @@
             </a:endParaRPr>
           </a:p>
           <a:p>
-            <a:pPr marL="216000" indent="-214560">
+            <a:pPr marL="216000" indent="-214200">
               <a:lnSpc>
                 <a:spcPct val="100000"/>
               </a:lnSpc>
@@ -9060,7 +9569,7 @@
             </a:endParaRPr>
           </a:p>
           <a:p>
-            <a:pPr marL="216000" indent="-214560">
+            <a:pPr marL="216000" indent="-214200">
               <a:lnSpc>
                 <a:spcPct val="100000"/>
               </a:lnSpc>
@@ -9099,7 +9608,7 @@
             </a:endParaRPr>
           </a:p>
           <a:p>
-            <a:pPr marL="216000" indent="-214560">
+            <a:pPr marL="216000" indent="-214200">
               <a:lnSpc>
                 <a:spcPct val="100000"/>
               </a:lnSpc>
@@ -9138,7 +9647,7 @@
             </a:endParaRPr>
           </a:p>
           <a:p>
-            <a:pPr marL="216000" indent="-214560">
+            <a:pPr marL="216000" indent="-214200">
               <a:lnSpc>
                 <a:spcPct val="100000"/>
               </a:lnSpc>
@@ -9229,6 +9738,52 @@
           </a:p>
         </p:txBody>
       </p:sp>
+      <p:pic>
+        <p:nvPicPr>
+          <p:cNvPr id="138" name="" descr=""/>
+          <p:cNvPicPr/>
+          <p:nvPr/>
+        </p:nvPicPr>
+        <p:blipFill>
+          <a:blip r:embed="rId1"/>
+          <a:stretch/>
+        </p:blipFill>
+        <p:spPr>
+          <a:xfrm>
+            <a:off x="5659560" y="1468080"/>
+            <a:ext cx="2570040" cy="2280960"/>
+          </a:xfrm>
+          <a:prstGeom prst="rect">
+            <a:avLst/>
+          </a:prstGeom>
+          <a:ln>
+            <a:noFill/>
+          </a:ln>
+        </p:spPr>
+      </p:pic>
+      <p:pic>
+        <p:nvPicPr>
+          <p:cNvPr id="139" name="" descr=""/>
+          <p:cNvPicPr/>
+          <p:nvPr/>
+        </p:nvPicPr>
+        <p:blipFill>
+          <a:blip r:embed="rId2"/>
+          <a:stretch/>
+        </p:blipFill>
+        <p:spPr>
+          <a:xfrm>
+            <a:off x="4690080" y="3885840"/>
+            <a:ext cx="4203720" cy="1696680"/>
+          </a:xfrm>
+          <a:prstGeom prst="rect">
+            <a:avLst/>
+          </a:prstGeom>
+          <a:ln>
+            <a:noFill/>
+          </a:ln>
+        </p:spPr>
+      </p:pic>
     </p:spTree>
   </p:cSld>
   <p:timing>
@@ -9280,14 +9835,14 @@
       </p:grpSpPr>
       <p:sp>
         <p:nvSpPr>
-          <p:cNvPr id="136" name="CustomShape 1"/>
+          <p:cNvPr id="140" name="CustomShape 1"/>
           <p:cNvSpPr/>
           <p:nvPr/>
         </p:nvSpPr>
         <p:spPr>
           <a:xfrm>
             <a:off x="539640" y="476640"/>
-            <a:ext cx="6478920" cy="811080"/>
+            <a:ext cx="6478560" cy="810720"/>
           </a:xfrm>
           <a:prstGeom prst="rect">
             <a:avLst/>
@@ -9324,7 +9879,37 @@
                 <a:latin typeface="Arial"/>
                 <a:ea typeface="MS PGothic"/>
               </a:rPr>
-              <a:t>OPTICS - contd</a:t>
+              <a:t>OPTICS</a:t>
+            </a:r>
+            <a:r>
+              <a:rPr b="0" lang="en-US" sz="2800" spc="-1" strike="noStrike" baseline="33000">
+                <a:solidFill>
+                  <a:srgbClr val="c50e1f"/>
+                </a:solidFill>
+                <a:uFill>
+                  <a:solidFill>
+                    <a:srgbClr val="ffffff"/>
+                  </a:solidFill>
+                </a:uFill>
+                <a:latin typeface="Arial"/>
+                <a:ea typeface="MS PGothic"/>
+              </a:rPr>
+              <a:t>[1]</a:t>
+            </a:r>
+            <a:r>
+              <a:rPr b="0" lang="en-US" sz="2800" spc="-1" strike="noStrike">
+                <a:solidFill>
+                  <a:srgbClr val="c50e1f"/>
+                </a:solidFill>
+                <a:uFill>
+                  <a:solidFill>
+                    <a:srgbClr val="ffffff"/>
+                  </a:solidFill>
+                </a:uFill>
+                <a:latin typeface="Arial"/>
+                <a:ea typeface="MS PGothic"/>
+              </a:rPr>
+              <a:t> - contd</a:t>
             </a:r>
             <a:endParaRPr b="0" lang="en-US" sz="1800" spc="-1" strike="noStrike">
               <a:solidFill>
@@ -9342,14 +9927,14 @@
       </p:sp>
       <p:sp>
         <p:nvSpPr>
-          <p:cNvPr id="137" name="CustomShape 2"/>
+          <p:cNvPr id="141" name="CustomShape 2"/>
           <p:cNvSpPr/>
           <p:nvPr/>
         </p:nvSpPr>
         <p:spPr>
           <a:xfrm>
             <a:off x="539640" y="6295320"/>
-            <a:ext cx="5478480" cy="363240"/>
+            <a:ext cx="5478120" cy="362880"/>
           </a:xfrm>
           <a:prstGeom prst="rect">
             <a:avLst/>
@@ -9440,14 +10025,14 @@
       </p:sp>
       <p:sp>
         <p:nvSpPr>
-          <p:cNvPr id="138" name="CustomShape 3"/>
+          <p:cNvPr id="142" name="CustomShape 3"/>
           <p:cNvSpPr/>
           <p:nvPr/>
         </p:nvSpPr>
         <p:spPr>
           <a:xfrm>
             <a:off x="8607600" y="6492960"/>
-            <a:ext cx="534600" cy="363240"/>
+            <a:ext cx="534240" cy="362880"/>
           </a:xfrm>
           <a:prstGeom prst="rect">
             <a:avLst/>
@@ -9466,14 +10051,14 @@
       </p:sp>
       <p:sp>
         <p:nvSpPr>
-          <p:cNvPr id="139" name="CustomShape 4"/>
+          <p:cNvPr id="143" name="CustomShape 4"/>
           <p:cNvSpPr/>
           <p:nvPr/>
         </p:nvSpPr>
         <p:spPr>
           <a:xfrm>
             <a:off x="365760" y="1463040"/>
-            <a:ext cx="8319600" cy="4387680"/>
+            <a:ext cx="8319240" cy="4387320"/>
           </a:xfrm>
           <a:prstGeom prst="rect">
             <a:avLst/>
@@ -9561,7 +10146,7 @@
             </a:endParaRPr>
           </a:p>
           <a:p>
-            <a:pPr marL="457200" indent="-214920">
+            <a:pPr marL="457200" indent="-214560">
               <a:lnSpc>
                 <a:spcPct val="100000"/>
               </a:lnSpc>
@@ -9600,7 +10185,7 @@
             </a:endParaRPr>
           </a:p>
           <a:p>
-            <a:pPr marL="457200" indent="-214920">
+            <a:pPr marL="457200" indent="-214560">
               <a:lnSpc>
                 <a:spcPct val="100000"/>
               </a:lnSpc>
@@ -9690,7 +10275,7 @@
             </a:endParaRPr>
           </a:p>
           <a:p>
-            <a:pPr marL="457200" indent="-214920">
+            <a:pPr marL="457200" indent="-214560">
               <a:lnSpc>
                 <a:spcPct val="100000"/>
               </a:lnSpc>
@@ -9799,14 +10384,14 @@
       </p:grpSpPr>
       <p:sp>
         <p:nvSpPr>
-          <p:cNvPr id="140" name="CustomShape 1"/>
+          <p:cNvPr id="144" name="CustomShape 1"/>
           <p:cNvSpPr/>
           <p:nvPr/>
         </p:nvSpPr>
         <p:spPr>
           <a:xfrm>
             <a:off x="539640" y="476640"/>
-            <a:ext cx="6478920" cy="811080"/>
+            <a:ext cx="6478560" cy="810720"/>
           </a:xfrm>
           <a:prstGeom prst="rect">
             <a:avLst/>
@@ -9845,6 +10430,21 @@
               </a:rPr>
               <a:t>Self-tuning Spectral Clustering</a:t>
             </a:r>
+            <a:r>
+              <a:rPr b="0" lang="en-US" sz="2800" spc="-1" strike="noStrike" baseline="33000">
+                <a:solidFill>
+                  <a:srgbClr val="c50e1f"/>
+                </a:solidFill>
+                <a:uFill>
+                  <a:solidFill>
+                    <a:srgbClr val="ffffff"/>
+                  </a:solidFill>
+                </a:uFill>
+                <a:latin typeface="Arial"/>
+                <a:ea typeface="MS PGothic"/>
+              </a:rPr>
+              <a:t>[2]</a:t>
+            </a:r>
             <a:endParaRPr b="0" lang="en-US" sz="1800" spc="-1" strike="noStrike">
               <a:solidFill>
                 <a:srgbClr val="000000"/>
@@ -9861,14 +10461,14 @@
       </p:sp>
       <p:sp>
         <p:nvSpPr>
-          <p:cNvPr id="141" name="CustomShape 2"/>
+          <p:cNvPr id="145" name="CustomShape 2"/>
           <p:cNvSpPr/>
           <p:nvPr/>
         </p:nvSpPr>
         <p:spPr>
           <a:xfrm>
             <a:off x="539640" y="6295320"/>
-            <a:ext cx="5478480" cy="363240"/>
+            <a:ext cx="5478120" cy="362880"/>
           </a:xfrm>
           <a:prstGeom prst="rect">
             <a:avLst/>
@@ -9959,14 +10559,14 @@
       </p:sp>
       <p:sp>
         <p:nvSpPr>
-          <p:cNvPr id="142" name="CustomShape 3"/>
+          <p:cNvPr id="146" name="CustomShape 3"/>
           <p:cNvSpPr/>
           <p:nvPr/>
         </p:nvSpPr>
         <p:spPr>
           <a:xfrm>
             <a:off x="8607600" y="6492960"/>
-            <a:ext cx="534600" cy="363240"/>
+            <a:ext cx="534240" cy="362880"/>
           </a:xfrm>
           <a:prstGeom prst="rect">
             <a:avLst/>
@@ -9985,14 +10585,14 @@
       </p:sp>
       <p:sp>
         <p:nvSpPr>
-          <p:cNvPr id="143" name="CustomShape 4"/>
+          <p:cNvPr id="147" name="CustomShape 4"/>
           <p:cNvSpPr/>
           <p:nvPr/>
         </p:nvSpPr>
         <p:spPr>
           <a:xfrm>
             <a:off x="365760" y="1463040"/>
-            <a:ext cx="4387680" cy="4387680"/>
+            <a:ext cx="4387320" cy="4387320"/>
           </a:xfrm>
           <a:prstGeom prst="rect">
             <a:avLst/>
@@ -10135,6 +10735,52 @@
           </a:p>
         </p:txBody>
       </p:sp>
+      <p:pic>
+        <p:nvPicPr>
+          <p:cNvPr id="148" name="" descr=""/>
+          <p:cNvPicPr/>
+          <p:nvPr/>
+        </p:nvPicPr>
+        <p:blipFill>
+          <a:blip r:embed="rId1"/>
+          <a:stretch/>
+        </p:blipFill>
+        <p:spPr>
+          <a:xfrm>
+            <a:off x="4572360" y="2172600"/>
+            <a:ext cx="4124520" cy="1763280"/>
+          </a:xfrm>
+          <a:prstGeom prst="rect">
+            <a:avLst/>
+          </a:prstGeom>
+          <a:ln>
+            <a:noFill/>
+          </a:ln>
+        </p:spPr>
+      </p:pic>
+      <p:pic>
+        <p:nvPicPr>
+          <p:cNvPr id="149" name="" descr=""/>
+          <p:cNvPicPr/>
+          <p:nvPr/>
+        </p:nvPicPr>
+        <p:blipFill>
+          <a:blip r:embed="rId2"/>
+          <a:stretch/>
+        </p:blipFill>
+        <p:spPr>
+          <a:xfrm>
+            <a:off x="4824360" y="3909960"/>
+            <a:ext cx="3758040" cy="852840"/>
+          </a:xfrm>
+          <a:prstGeom prst="rect">
+            <a:avLst/>
+          </a:prstGeom>
+          <a:ln>
+            <a:noFill/>
+          </a:ln>
+        </p:spPr>
+      </p:pic>
     </p:spTree>
   </p:cSld>
   <p:timing>
@@ -10186,14 +10832,14 @@
       </p:grpSpPr>
       <p:sp>
         <p:nvSpPr>
-          <p:cNvPr id="144" name="CustomShape 1"/>
+          <p:cNvPr id="150" name="CustomShape 1"/>
           <p:cNvSpPr/>
           <p:nvPr/>
         </p:nvSpPr>
         <p:spPr>
           <a:xfrm>
             <a:off x="539640" y="476640"/>
-            <a:ext cx="6478920" cy="811080"/>
+            <a:ext cx="6478560" cy="810720"/>
           </a:xfrm>
           <a:prstGeom prst="rect">
             <a:avLst/>
@@ -10230,7 +10876,37 @@
                 <a:latin typeface="Arial"/>
                 <a:ea typeface="MS PGothic"/>
               </a:rPr>
-              <a:t>Self-tuning Spectral Clustering - contd</a:t>
+              <a:t>Self-tuning Spectral Clustering</a:t>
+            </a:r>
+            <a:r>
+              <a:rPr b="0" lang="en-US" sz="2800" spc="-1" strike="noStrike" baseline="33000">
+                <a:solidFill>
+                  <a:srgbClr val="c50e1f"/>
+                </a:solidFill>
+                <a:uFill>
+                  <a:solidFill>
+                    <a:srgbClr val="ffffff"/>
+                  </a:solidFill>
+                </a:uFill>
+                <a:latin typeface="Arial"/>
+                <a:ea typeface="MS PGothic"/>
+              </a:rPr>
+              <a:t>[2]</a:t>
+            </a:r>
+            <a:r>
+              <a:rPr b="0" lang="en-US" sz="2800" spc="-1" strike="noStrike">
+                <a:solidFill>
+                  <a:srgbClr val="c50e1f"/>
+                </a:solidFill>
+                <a:uFill>
+                  <a:solidFill>
+                    <a:srgbClr val="ffffff"/>
+                  </a:solidFill>
+                </a:uFill>
+                <a:latin typeface="Arial"/>
+                <a:ea typeface="MS PGothic"/>
+              </a:rPr>
+              <a:t> - contd</a:t>
             </a:r>
             <a:endParaRPr b="0" lang="en-US" sz="1800" spc="-1" strike="noStrike">
               <a:solidFill>
@@ -10248,14 +10924,14 @@
       </p:sp>
       <p:sp>
         <p:nvSpPr>
-          <p:cNvPr id="145" name="CustomShape 2"/>
+          <p:cNvPr id="151" name="CustomShape 2"/>
           <p:cNvSpPr/>
           <p:nvPr/>
         </p:nvSpPr>
         <p:spPr>
           <a:xfrm>
             <a:off x="539640" y="6295320"/>
-            <a:ext cx="5478480" cy="363240"/>
+            <a:ext cx="5478120" cy="362880"/>
           </a:xfrm>
           <a:prstGeom prst="rect">
             <a:avLst/>
@@ -10346,14 +11022,14 @@
       </p:sp>
       <p:sp>
         <p:nvSpPr>
-          <p:cNvPr id="146" name="CustomShape 3"/>
+          <p:cNvPr id="152" name="CustomShape 3"/>
           <p:cNvSpPr/>
           <p:nvPr/>
         </p:nvSpPr>
         <p:spPr>
           <a:xfrm>
             <a:off x="8607600" y="6492960"/>
-            <a:ext cx="534600" cy="363240"/>
+            <a:ext cx="534240" cy="362880"/>
           </a:xfrm>
           <a:prstGeom prst="rect">
             <a:avLst/>
@@ -10372,14 +11048,14 @@
       </p:sp>
       <p:sp>
         <p:nvSpPr>
-          <p:cNvPr id="147" name="CustomShape 4"/>
+          <p:cNvPr id="153" name="CustomShape 4"/>
           <p:cNvSpPr/>
           <p:nvPr/>
         </p:nvSpPr>
         <p:spPr>
           <a:xfrm>
             <a:off x="365760" y="1463040"/>
-            <a:ext cx="8319600" cy="4387680"/>
+            <a:ext cx="8319240" cy="4387320"/>
           </a:xfrm>
           <a:prstGeom prst="rect">
             <a:avLst/>
@@ -10467,7 +11143,7 @@
             </a:endParaRPr>
           </a:p>
           <a:p>
-            <a:pPr marL="457200" indent="-214920">
+            <a:pPr marL="457200" indent="-214560">
               <a:lnSpc>
                 <a:spcPct val="100000"/>
               </a:lnSpc>
@@ -10506,7 +11182,7 @@
             </a:endParaRPr>
           </a:p>
           <a:p>
-            <a:pPr marL="457200" indent="-214920">
+            <a:pPr marL="457200" indent="-214560">
               <a:lnSpc>
                 <a:spcPct val="100000"/>
               </a:lnSpc>
@@ -10545,7 +11221,7 @@
             </a:endParaRPr>
           </a:p>
           <a:p>
-            <a:pPr marL="457200" indent="-214920">
+            <a:pPr marL="457200" indent="-214560">
               <a:lnSpc>
                 <a:spcPct val="100000"/>
               </a:lnSpc>
@@ -10635,7 +11311,7 @@
             </a:endParaRPr>
           </a:p>
           <a:p>
-            <a:pPr marL="457200" indent="-214920">
+            <a:pPr marL="457200" indent="-214560">
               <a:lnSpc>
                 <a:spcPct val="100000"/>
               </a:lnSpc>
@@ -10674,7 +11350,7 @@
             </a:endParaRPr>
           </a:p>
           <a:p>
-            <a:pPr marL="457200" indent="-214920">
+            <a:pPr marL="457200" indent="-214560">
               <a:lnSpc>
                 <a:spcPct val="100000"/>
               </a:lnSpc>
@@ -10783,14 +11459,14 @@
       </p:grpSpPr>
       <p:sp>
         <p:nvSpPr>
-          <p:cNvPr id="148" name="CustomShape 1"/>
+          <p:cNvPr id="154" name="CustomShape 1"/>
           <p:cNvSpPr/>
           <p:nvPr/>
         </p:nvSpPr>
         <p:spPr>
           <a:xfrm>
             <a:off x="539640" y="3812400"/>
-            <a:ext cx="8058600" cy="1474200"/>
+            <a:ext cx="8058240" cy="1473840"/>
           </a:xfrm>
           <a:prstGeom prst="rect">
             <a:avLst/>
@@ -10845,14 +11521,14 @@
       </p:sp>
       <p:sp>
         <p:nvSpPr>
-          <p:cNvPr id="149" name="CustomShape 2"/>
+          <p:cNvPr id="155" name="CustomShape 2"/>
           <p:cNvSpPr/>
           <p:nvPr/>
         </p:nvSpPr>
         <p:spPr>
           <a:xfrm>
             <a:off x="539640" y="2906640"/>
-            <a:ext cx="8059680" cy="880560"/>
+            <a:ext cx="8059320" cy="880200"/>
           </a:xfrm>
           <a:prstGeom prst="rect">
             <a:avLst/>
@@ -10871,14 +11547,14 @@
       </p:sp>
       <p:sp>
         <p:nvSpPr>
-          <p:cNvPr id="150" name="CustomShape 3"/>
+          <p:cNvPr id="156" name="CustomShape 3"/>
           <p:cNvSpPr/>
           <p:nvPr/>
         </p:nvSpPr>
         <p:spPr>
           <a:xfrm>
             <a:off x="8607600" y="6492960"/>
-            <a:ext cx="534600" cy="363240"/>
+            <a:ext cx="534240" cy="362880"/>
           </a:xfrm>
           <a:prstGeom prst="rect">
             <a:avLst/>
@@ -10946,14 +11622,14 @@
       </p:grpSpPr>
       <p:sp>
         <p:nvSpPr>
-          <p:cNvPr id="151" name="CustomShape 1"/>
+          <p:cNvPr id="157" name="CustomShape 1"/>
           <p:cNvSpPr/>
           <p:nvPr/>
         </p:nvSpPr>
         <p:spPr>
           <a:xfrm>
             <a:off x="539640" y="476640"/>
-            <a:ext cx="6478920" cy="811080"/>
+            <a:ext cx="6478560" cy="810720"/>
           </a:xfrm>
           <a:prstGeom prst="rect">
             <a:avLst/>
@@ -11008,14 +11684,14 @@
       </p:sp>
       <p:sp>
         <p:nvSpPr>
-          <p:cNvPr id="152" name="CustomShape 2"/>
+          <p:cNvPr id="158" name="CustomShape 2"/>
           <p:cNvSpPr/>
           <p:nvPr/>
         </p:nvSpPr>
         <p:spPr>
           <a:xfrm>
             <a:off x="539640" y="6295320"/>
-            <a:ext cx="5478480" cy="363240"/>
+            <a:ext cx="5478120" cy="362880"/>
           </a:xfrm>
           <a:prstGeom prst="rect">
             <a:avLst/>
@@ -11106,14 +11782,14 @@
       </p:sp>
       <p:sp>
         <p:nvSpPr>
-          <p:cNvPr id="153" name="CustomShape 3"/>
+          <p:cNvPr id="159" name="CustomShape 3"/>
           <p:cNvSpPr/>
           <p:nvPr/>
         </p:nvSpPr>
         <p:spPr>
           <a:xfrm>
             <a:off x="8607600" y="6492960"/>
-            <a:ext cx="534600" cy="363240"/>
+            <a:ext cx="534240" cy="362880"/>
           </a:xfrm>
           <a:prstGeom prst="rect">
             <a:avLst/>
@@ -11132,14 +11808,14 @@
       </p:sp>
       <p:sp>
         <p:nvSpPr>
-          <p:cNvPr id="154" name="CustomShape 4"/>
+          <p:cNvPr id="160" name="CustomShape 4"/>
           <p:cNvSpPr/>
           <p:nvPr/>
         </p:nvSpPr>
         <p:spPr>
           <a:xfrm>
             <a:off x="4529880" y="2377440"/>
-            <a:ext cx="3332880" cy="1362960"/>
+            <a:ext cx="3332520" cy="1362600"/>
           </a:xfrm>
           <a:prstGeom prst="rect">
             <a:avLst/>
@@ -11158,7 +11834,7 @@
       </p:sp>
       <p:pic>
         <p:nvPicPr>
-          <p:cNvPr id="155" name="" descr=""/>
+          <p:cNvPr id="161" name="" descr=""/>
           <p:cNvPicPr/>
           <p:nvPr/>
         </p:nvPicPr>
@@ -11169,7 +11845,7 @@
         <p:spPr>
           <a:xfrm>
             <a:off x="84240" y="1563120"/>
-            <a:ext cx="8912880" cy="4106160"/>
+            <a:ext cx="8912520" cy="4105800"/>
           </a:xfrm>
           <a:prstGeom prst="rect">
             <a:avLst/>

--- a/Presentations/Milestone.pptx
+++ b/Presentations/Milestone.pptx
@@ -4486,7 +4486,7 @@
         <p:spPr>
           <a:xfrm>
             <a:off x="6097320" y="6268680"/>
-            <a:ext cx="979200" cy="326520"/>
+            <a:ext cx="978840" cy="326160"/>
           </a:xfrm>
           <a:prstGeom prst="rect">
             <a:avLst/>
@@ -4509,7 +4509,7 @@
         <p:spPr>
           <a:xfrm>
             <a:off x="7193160" y="6268680"/>
-            <a:ext cx="1414080" cy="320040"/>
+            <a:ext cx="1413720" cy="319680"/>
           </a:xfrm>
           <a:prstGeom prst="rect">
             <a:avLst/>
@@ -4560,7 +4560,7 @@
         <p:spPr>
           <a:xfrm>
             <a:off x="6163920" y="365760"/>
-            <a:ext cx="2521080" cy="1409040"/>
+            <a:ext cx="2520720" cy="1408680"/>
           </a:xfrm>
           <a:prstGeom prst="rect">
             <a:avLst/>
@@ -4946,7 +4946,7 @@
         <p:spPr>
           <a:xfrm>
             <a:off x="7191000" y="476640"/>
-            <a:ext cx="1414440" cy="789840"/>
+            <a:ext cx="1414080" cy="789480"/>
           </a:xfrm>
           <a:prstGeom prst="rect">
             <a:avLst/>
@@ -4969,7 +4969,7 @@
         <p:spPr>
           <a:xfrm>
             <a:off x="6097320" y="6268680"/>
-            <a:ext cx="979200" cy="326520"/>
+            <a:ext cx="978840" cy="326160"/>
           </a:xfrm>
           <a:prstGeom prst="rect">
             <a:avLst/>
@@ -4992,7 +4992,7 @@
         <p:spPr>
           <a:xfrm>
             <a:off x="7193160" y="6268680"/>
-            <a:ext cx="1414080" cy="320040"/>
+            <a:ext cx="1413720" cy="319680"/>
           </a:xfrm>
           <a:prstGeom prst="rect">
             <a:avLst/>
@@ -5378,7 +5378,7 @@
         <p:spPr>
           <a:xfrm>
             <a:off x="6097320" y="6268680"/>
-            <a:ext cx="979200" cy="326520"/>
+            <a:ext cx="978840" cy="326160"/>
           </a:xfrm>
           <a:prstGeom prst="rect">
             <a:avLst/>
@@ -5401,7 +5401,7 @@
         <p:spPr>
           <a:xfrm>
             <a:off x="7193160" y="6268680"/>
-            <a:ext cx="1414080" cy="320040"/>
+            <a:ext cx="1413720" cy="319680"/>
           </a:xfrm>
           <a:prstGeom prst="rect">
             <a:avLst/>
@@ -5424,7 +5424,7 @@
         <p:spPr>
           <a:xfrm>
             <a:off x="6126480" y="273600"/>
-            <a:ext cx="2521080" cy="1409040"/>
+            <a:ext cx="2520720" cy="1408680"/>
           </a:xfrm>
           <a:prstGeom prst="rect">
             <a:avLst/>
@@ -5827,7 +5827,7 @@
         <p:spPr>
           <a:xfrm>
             <a:off x="539640" y="3813840"/>
-            <a:ext cx="8059320" cy="1475280"/>
+            <a:ext cx="8058960" cy="1474920"/>
           </a:xfrm>
           <a:prstGeom prst="rect">
             <a:avLst/>
@@ -5847,7 +5847,7 @@
           <a:bodyPr lIns="0" rIns="0" tIns="0" bIns="0"/>
           <a:p>
             <a:r>
-              <a:rPr b="0" lang="en-US" sz="4800" spc="-1" strike="noStrike">
+              <a:rPr b="0" lang="en-US" sz="4400" spc="-1" strike="noStrike">
                 <a:solidFill>
                   <a:srgbClr val="c50e1f"/>
                 </a:solidFill>
@@ -5859,7 +5859,7 @@
                 <a:latin typeface="Arial"/>
                 <a:ea typeface="MS PGothic"/>
               </a:rPr>
-              <a:t>Cluster of complex datasets</a:t>
+              <a:t>Clustering of complex datasets</a:t>
             </a:r>
             <a:endParaRPr b="0" lang="en-US" sz="1800" spc="-1" strike="noStrike">
               <a:solidFill>
@@ -5917,7 +5917,7 @@
         <p:spPr>
           <a:xfrm>
             <a:off x="539640" y="5486400"/>
-            <a:ext cx="8059320" cy="455400"/>
+            <a:ext cx="8058960" cy="455040"/>
           </a:xfrm>
           <a:prstGeom prst="rect">
             <a:avLst/>
@@ -6086,7 +6086,7 @@
         <p:spPr>
           <a:xfrm>
             <a:off x="539640" y="476640"/>
-            <a:ext cx="6478560" cy="810720"/>
+            <a:ext cx="6478200" cy="810360"/>
           </a:xfrm>
           <a:prstGeom prst="rect">
             <a:avLst/>
@@ -6148,7 +6148,7 @@
         <p:spPr>
           <a:xfrm>
             <a:off x="539640" y="6295320"/>
-            <a:ext cx="5478120" cy="362880"/>
+            <a:ext cx="5477760" cy="362520"/>
           </a:xfrm>
           <a:prstGeom prst="rect">
             <a:avLst/>
@@ -6246,7 +6246,7 @@
         <p:spPr>
           <a:xfrm>
             <a:off x="8607600" y="6492960"/>
-            <a:ext cx="534240" cy="362880"/>
+            <a:ext cx="533880" cy="362520"/>
           </a:xfrm>
           <a:prstGeom prst="rect">
             <a:avLst/>
@@ -6272,7 +6272,7 @@
         <p:spPr>
           <a:xfrm>
             <a:off x="4529880" y="2377440"/>
-            <a:ext cx="3332520" cy="1362600"/>
+            <a:ext cx="3332160" cy="1362240"/>
           </a:xfrm>
           <a:prstGeom prst="rect">
             <a:avLst/>
@@ -6298,7 +6298,7 @@
         <p:spPr>
           <a:xfrm>
             <a:off x="365760" y="1463040"/>
-            <a:ext cx="4387320" cy="4387320"/>
+            <a:ext cx="4386960" cy="4386960"/>
           </a:xfrm>
           <a:prstGeom prst="rect">
             <a:avLst/>
@@ -6372,7 +6372,7 @@
         <p:spPr>
           <a:xfrm>
             <a:off x="1779840" y="1620360"/>
-            <a:ext cx="7203960" cy="4061880"/>
+            <a:ext cx="7203600" cy="4061520"/>
           </a:xfrm>
           <a:prstGeom prst="rect">
             <a:avLst/>
@@ -6440,7 +6440,7 @@
         <p:spPr>
           <a:xfrm>
             <a:off x="539640" y="476640"/>
-            <a:ext cx="6478560" cy="810720"/>
+            <a:ext cx="6478200" cy="810360"/>
           </a:xfrm>
           <a:prstGeom prst="rect">
             <a:avLst/>
@@ -6502,7 +6502,7 @@
         <p:spPr>
           <a:xfrm>
             <a:off x="539640" y="6295320"/>
-            <a:ext cx="5478120" cy="362880"/>
+            <a:ext cx="5477760" cy="362520"/>
           </a:xfrm>
           <a:prstGeom prst="rect">
             <a:avLst/>
@@ -6600,7 +6600,7 @@
         <p:spPr>
           <a:xfrm>
             <a:off x="8607600" y="6492960"/>
-            <a:ext cx="534240" cy="362880"/>
+            <a:ext cx="533880" cy="362520"/>
           </a:xfrm>
           <a:prstGeom prst="rect">
             <a:avLst/>
@@ -6626,7 +6626,7 @@
         <p:spPr>
           <a:xfrm>
             <a:off x="4529880" y="2377440"/>
-            <a:ext cx="3332520" cy="1362600"/>
+            <a:ext cx="3332160" cy="1362240"/>
           </a:xfrm>
           <a:prstGeom prst="rect">
             <a:avLst/>
@@ -6652,7 +6652,7 @@
         <p:spPr>
           <a:xfrm>
             <a:off x="365760" y="1463040"/>
-            <a:ext cx="4387320" cy="4387320"/>
+            <a:ext cx="4386960" cy="4386960"/>
           </a:xfrm>
           <a:prstGeom prst="rect">
             <a:avLst/>
@@ -6769,7 +6769,7 @@
         <p:spPr>
           <a:xfrm>
             <a:off x="3211920" y="1659960"/>
-            <a:ext cx="5382000" cy="4190760"/>
+            <a:ext cx="5381640" cy="4190400"/>
           </a:xfrm>
           <a:prstGeom prst="rect">
             <a:avLst/>
@@ -6837,7 +6837,7 @@
         <p:spPr>
           <a:xfrm>
             <a:off x="539640" y="476640"/>
-            <a:ext cx="6478560" cy="810720"/>
+            <a:ext cx="6478200" cy="810360"/>
           </a:xfrm>
           <a:prstGeom prst="rect">
             <a:avLst/>
@@ -6899,7 +6899,7 @@
         <p:spPr>
           <a:xfrm>
             <a:off x="539640" y="6295320"/>
-            <a:ext cx="5478120" cy="362880"/>
+            <a:ext cx="5477760" cy="362520"/>
           </a:xfrm>
           <a:prstGeom prst="rect">
             <a:avLst/>
@@ -6997,7 +6997,7 @@
         <p:spPr>
           <a:xfrm>
             <a:off x="8607600" y="6492960"/>
-            <a:ext cx="534240" cy="362880"/>
+            <a:ext cx="533880" cy="362520"/>
           </a:xfrm>
           <a:prstGeom prst="rect">
             <a:avLst/>
@@ -7023,7 +7023,7 @@
         <p:spPr>
           <a:xfrm>
             <a:off x="4529880" y="2377440"/>
-            <a:ext cx="3332520" cy="1362600"/>
+            <a:ext cx="3332160" cy="1362240"/>
           </a:xfrm>
           <a:prstGeom prst="rect">
             <a:avLst/>
@@ -7049,7 +7049,7 @@
         <p:spPr>
           <a:xfrm>
             <a:off x="365760" y="1463040"/>
-            <a:ext cx="4387320" cy="4387320"/>
+            <a:ext cx="4386960" cy="4386960"/>
           </a:xfrm>
           <a:prstGeom prst="rect">
             <a:avLst/>
@@ -7199,7 +7199,7 @@
         <p:spPr>
           <a:xfrm>
             <a:off x="1783080" y="1618560"/>
-            <a:ext cx="7203960" cy="4058640"/>
+            <a:ext cx="7203600" cy="4058280"/>
           </a:xfrm>
           <a:prstGeom prst="rect">
             <a:avLst/>
@@ -7267,7 +7267,7 @@
         <p:spPr>
           <a:xfrm>
             <a:off x="539640" y="476640"/>
-            <a:ext cx="6478560" cy="810720"/>
+            <a:ext cx="6478200" cy="810360"/>
           </a:xfrm>
           <a:prstGeom prst="rect">
             <a:avLst/>
@@ -7329,7 +7329,7 @@
         <p:spPr>
           <a:xfrm>
             <a:off x="539640" y="6295320"/>
-            <a:ext cx="5478120" cy="362880"/>
+            <a:ext cx="5477760" cy="362520"/>
           </a:xfrm>
           <a:prstGeom prst="rect">
             <a:avLst/>
@@ -7427,7 +7427,7 @@
         <p:spPr>
           <a:xfrm>
             <a:off x="8607600" y="6492960"/>
-            <a:ext cx="534240" cy="362880"/>
+            <a:ext cx="533880" cy="362520"/>
           </a:xfrm>
           <a:prstGeom prst="rect">
             <a:avLst/>
@@ -7453,7 +7453,7 @@
         <p:spPr>
           <a:xfrm>
             <a:off x="4529880" y="2377440"/>
-            <a:ext cx="3332520" cy="1362600"/>
+            <a:ext cx="3332160" cy="1362240"/>
           </a:xfrm>
           <a:prstGeom prst="rect">
             <a:avLst/>
@@ -7479,7 +7479,7 @@
         <p:spPr>
           <a:xfrm>
             <a:off x="365760" y="1463040"/>
-            <a:ext cx="4387320" cy="4387320"/>
+            <a:ext cx="4386960" cy="4386960"/>
           </a:xfrm>
           <a:prstGeom prst="rect">
             <a:avLst/>
@@ -7707,7 +7707,7 @@
         <p:spPr>
           <a:xfrm>
             <a:off x="539640" y="476640"/>
-            <a:ext cx="6478560" cy="810720"/>
+            <a:ext cx="6478200" cy="810360"/>
           </a:xfrm>
           <a:prstGeom prst="rect">
             <a:avLst/>
@@ -7769,7 +7769,7 @@
         <p:spPr>
           <a:xfrm>
             <a:off x="539640" y="6295320"/>
-            <a:ext cx="5478120" cy="362880"/>
+            <a:ext cx="5477760" cy="362520"/>
           </a:xfrm>
           <a:prstGeom prst="rect">
             <a:avLst/>
@@ -7867,7 +7867,7 @@
         <p:spPr>
           <a:xfrm>
             <a:off x="8607600" y="6492960"/>
-            <a:ext cx="534240" cy="362880"/>
+            <a:ext cx="533880" cy="362520"/>
           </a:xfrm>
           <a:prstGeom prst="rect">
             <a:avLst/>
@@ -7893,7 +7893,7 @@
         <p:spPr>
           <a:xfrm>
             <a:off x="4529880" y="2377440"/>
-            <a:ext cx="3332520" cy="1362600"/>
+            <a:ext cx="3332160" cy="1362240"/>
           </a:xfrm>
           <a:prstGeom prst="rect">
             <a:avLst/>
@@ -7919,7 +7919,7 @@
         <p:spPr>
           <a:xfrm>
             <a:off x="365760" y="1463040"/>
-            <a:ext cx="8595360" cy="4387320"/>
+            <a:ext cx="8595000" cy="4386960"/>
           </a:xfrm>
           <a:prstGeom prst="rect">
             <a:avLst/>
@@ -8103,7 +8103,7 @@
         <p:spPr>
           <a:xfrm>
             <a:off x="534240" y="1737360"/>
-            <a:ext cx="8059320" cy="3995640"/>
+            <a:ext cx="8058960" cy="3995280"/>
           </a:xfrm>
           <a:prstGeom prst="rect">
             <a:avLst/>
@@ -8122,7 +8122,7 @@
         <p:spPr>
           <a:xfrm>
             <a:off x="539640" y="476640"/>
-            <a:ext cx="6478560" cy="810720"/>
+            <a:ext cx="6478200" cy="810360"/>
           </a:xfrm>
           <a:prstGeom prst="rect">
             <a:avLst/>
@@ -8184,7 +8184,7 @@
         <p:spPr>
           <a:xfrm>
             <a:off x="539640" y="6295320"/>
-            <a:ext cx="5478120" cy="362880"/>
+            <a:ext cx="5477760" cy="362520"/>
           </a:xfrm>
           <a:prstGeom prst="rect">
             <a:avLst/>
@@ -8282,7 +8282,7 @@
         <p:spPr>
           <a:xfrm>
             <a:off x="8607600" y="6492960"/>
-            <a:ext cx="534240" cy="362880"/>
+            <a:ext cx="533880" cy="362520"/>
           </a:xfrm>
           <a:prstGeom prst="rect">
             <a:avLst/>
@@ -8308,7 +8308,7 @@
         <p:spPr>
           <a:xfrm>
             <a:off x="4529880" y="2743200"/>
-            <a:ext cx="1777680" cy="826200"/>
+            <a:ext cx="1777320" cy="825840"/>
           </a:xfrm>
           <a:prstGeom prst="rect">
             <a:avLst/>
@@ -8327,14 +8327,14 @@
       </p:sp>
       <p:sp>
         <p:nvSpPr>
-          <p:cNvPr id="126" name="TextShape 5"/>
-          <p:cNvSpPr txBox="1"/>
+          <p:cNvPr id="126" name="CustomShape 5"/>
+          <p:cNvSpPr/>
           <p:nvPr/>
         </p:nvSpPr>
         <p:spPr>
           <a:xfrm>
             <a:off x="8470800" y="5552640"/>
-            <a:ext cx="326880" cy="346320"/>
+            <a:ext cx="326520" cy="345960"/>
           </a:xfrm>
           <a:prstGeom prst="rect">
             <a:avLst/>
@@ -8344,6 +8344,12 @@
             <a:noFill/>
           </a:ln>
         </p:spPr>
+        <p:style>
+          <a:lnRef idx="0"/>
+          <a:fillRef idx="0"/>
+          <a:effectRef idx="0"/>
+          <a:fontRef idx="minor"/>
+        </p:style>
         <p:txBody>
           <a:bodyPr lIns="90000" rIns="90000" tIns="45000" bIns="45000"/>
           <a:p>
@@ -8361,7 +8367,7 @@
               </a:rPr>
               <a:t>[2]</a:t>
             </a:r>
-            <a:endParaRPr b="0" lang="en-US" sz="1800" spc="-1" strike="noStrike" baseline="33000">
+            <a:endParaRPr b="0" lang="en-US" sz="1800" spc="-1" strike="noStrike">
               <a:solidFill>
                 <a:srgbClr val="000000"/>
               </a:solidFill>
@@ -8433,7 +8439,7 @@
         <p:spPr>
           <a:xfrm>
             <a:off x="539640" y="476640"/>
-            <a:ext cx="6478560" cy="810720"/>
+            <a:ext cx="6478200" cy="810360"/>
           </a:xfrm>
           <a:prstGeom prst="rect">
             <a:avLst/>
@@ -8495,7 +8501,7 @@
         <p:spPr>
           <a:xfrm>
             <a:off x="539640" y="6295320"/>
-            <a:ext cx="5478120" cy="362880"/>
+            <a:ext cx="5477760" cy="362520"/>
           </a:xfrm>
           <a:prstGeom prst="rect">
             <a:avLst/>
@@ -8593,7 +8599,7 @@
         <p:spPr>
           <a:xfrm>
             <a:off x="8607600" y="6492960"/>
-            <a:ext cx="534240" cy="362880"/>
+            <a:ext cx="533880" cy="362520"/>
           </a:xfrm>
           <a:prstGeom prst="rect">
             <a:avLst/>
@@ -8619,7 +8625,7 @@
         <p:spPr>
           <a:xfrm>
             <a:off x="4529880" y="2743200"/>
-            <a:ext cx="1777680" cy="826200"/>
+            <a:ext cx="1777320" cy="825840"/>
           </a:xfrm>
           <a:prstGeom prst="rect">
             <a:avLst/>
@@ -8645,7 +8651,7 @@
         <p:spPr>
           <a:xfrm>
             <a:off x="365760" y="1463040"/>
-            <a:ext cx="4387320" cy="4387320"/>
+            <a:ext cx="4386960" cy="4386960"/>
           </a:xfrm>
           <a:prstGeom prst="rect">
             <a:avLst/>
@@ -8763,7 +8769,7 @@
             </a:endParaRPr>
           </a:p>
           <a:p>
-            <a:pPr marL="216000" indent="-214200">
+            <a:pPr marL="216000" indent="-213840">
               <a:lnSpc>
                 <a:spcPct val="100000"/>
               </a:lnSpc>
@@ -8802,7 +8808,7 @@
             </a:endParaRPr>
           </a:p>
           <a:p>
-            <a:pPr marL="216000" indent="-214200">
+            <a:pPr marL="216000" indent="-213840">
               <a:lnSpc>
                 <a:spcPct val="100000"/>
               </a:lnSpc>
@@ -8841,7 +8847,7 @@
             </a:endParaRPr>
           </a:p>
           <a:p>
-            <a:pPr marL="216000" indent="-214200">
+            <a:pPr marL="216000" indent="-213840">
               <a:lnSpc>
                 <a:spcPct val="100000"/>
               </a:lnSpc>
@@ -8880,7 +8886,7 @@
             </a:endParaRPr>
           </a:p>
           <a:p>
-            <a:pPr marL="216000" indent="-214200">
+            <a:pPr marL="216000" indent="-213840">
               <a:lnSpc>
                 <a:spcPct val="100000"/>
               </a:lnSpc>
@@ -8933,7 +8939,7 @@
         <p:spPr>
           <a:xfrm>
             <a:off x="3931920" y="1620360"/>
-            <a:ext cx="5175360" cy="4138560"/>
+            <a:ext cx="5175000" cy="4138200"/>
           </a:xfrm>
           <a:prstGeom prst="rect">
             <a:avLst/>
@@ -8945,14 +8951,14 @@
       </p:pic>
       <p:sp>
         <p:nvSpPr>
-          <p:cNvPr id="133" name="TextShape 6"/>
-          <p:cNvSpPr txBox="1"/>
+          <p:cNvPr id="133" name="CustomShape 6"/>
+          <p:cNvSpPr/>
           <p:nvPr/>
         </p:nvSpPr>
         <p:spPr>
           <a:xfrm>
             <a:off x="5943600" y="5564160"/>
-            <a:ext cx="1660680" cy="290160"/>
+            <a:ext cx="1660320" cy="289800"/>
           </a:xfrm>
           <a:prstGeom prst="rect">
             <a:avLst/>
@@ -8962,6 +8968,12 @@
             <a:noFill/>
           </a:ln>
         </p:spPr>
+        <p:style>
+          <a:lnRef idx="0"/>
+          <a:fillRef idx="0"/>
+          <a:effectRef idx="0"/>
+          <a:fontRef idx="minor"/>
+        </p:style>
         <p:txBody>
           <a:bodyPr lIns="90000" rIns="90000" tIns="45000" bIns="45000"/>
           <a:p>
@@ -8979,17 +8991,16 @@
               </a:rPr>
               <a:t>kMeans Clustering</a:t>
             </a:r>
-            <a:endParaRPr b="0" lang="en-US" sz="1400" spc="-1" strike="noStrike">
-              <a:solidFill>
-                <a:srgbClr val="8b8b8b"/>
-              </a:solidFill>
-              <a:uFill>
-                <a:solidFill>
-                  <a:srgbClr val="ffffff"/>
-                </a:solidFill>
-              </a:uFill>
-              <a:latin typeface="Arial"/>
-              <a:ea typeface="MS PGothic"/>
+            <a:endParaRPr b="0" lang="en-US" sz="1800" spc="-1" strike="noStrike">
+              <a:solidFill>
+                <a:srgbClr val="000000"/>
+              </a:solidFill>
+              <a:uFill>
+                <a:solidFill>
+                  <a:srgbClr val="ffffff"/>
+                </a:solidFill>
+              </a:uFill>
+              <a:latin typeface="Arial"/>
             </a:endParaRPr>
           </a:p>
         </p:txBody>
@@ -9052,7 +9063,7 @@
         <p:spPr>
           <a:xfrm>
             <a:off x="539640" y="476640"/>
-            <a:ext cx="6478560" cy="810720"/>
+            <a:ext cx="6478200" cy="810360"/>
           </a:xfrm>
           <a:prstGeom prst="rect">
             <a:avLst/>
@@ -9129,7 +9140,7 @@
         <p:spPr>
           <a:xfrm>
             <a:off x="539640" y="6295320"/>
-            <a:ext cx="5478120" cy="362880"/>
+            <a:ext cx="5477760" cy="362520"/>
           </a:xfrm>
           <a:prstGeom prst="rect">
             <a:avLst/>
@@ -9227,7 +9238,7 @@
         <p:spPr>
           <a:xfrm>
             <a:off x="8607600" y="6492960"/>
-            <a:ext cx="534240" cy="362880"/>
+            <a:ext cx="533880" cy="362520"/>
           </a:xfrm>
           <a:prstGeom prst="rect">
             <a:avLst/>
@@ -9253,7 +9264,7 @@
         <p:spPr>
           <a:xfrm>
             <a:off x="365760" y="1463040"/>
-            <a:ext cx="4387320" cy="4387320"/>
+            <a:ext cx="4386960" cy="4386960"/>
           </a:xfrm>
           <a:prstGeom prst="rect">
             <a:avLst/>
@@ -9341,7 +9352,7 @@
             </a:endParaRPr>
           </a:p>
           <a:p>
-            <a:pPr marL="216000" indent="-214200">
+            <a:pPr marL="216000" indent="-213840">
               <a:lnSpc>
                 <a:spcPct val="100000"/>
               </a:lnSpc>
@@ -9395,7 +9406,7 @@
             </a:endParaRPr>
           </a:p>
           <a:p>
-            <a:pPr marL="216000" indent="-214200">
+            <a:pPr marL="216000" indent="-213840">
               <a:lnSpc>
                 <a:spcPct val="100000"/>
               </a:lnSpc>
@@ -9434,7 +9445,7 @@
                 <a:latin typeface="Arial"/>
                 <a:ea typeface="DejaVu Sans"/>
               </a:rPr>
-              <a:t>Max radius of a Cluster(ε),</a:t>
+              <a:t>Max Neighborhood radius (ε),</a:t>
             </a:r>
             <a:endParaRPr b="0" lang="en-US" sz="1800" spc="-1" strike="noStrike">
               <a:solidFill>
@@ -9449,7 +9460,7 @@
             </a:endParaRPr>
           </a:p>
           <a:p>
-            <a:pPr marL="216000" indent="-214200">
+            <a:pPr marL="216000" indent="-213840">
               <a:lnSpc>
                 <a:spcPct val="100000"/>
               </a:lnSpc>
@@ -9569,7 +9580,7 @@
             </a:endParaRPr>
           </a:p>
           <a:p>
-            <a:pPr marL="216000" indent="-214200">
+            <a:pPr marL="216000" indent="-213840">
               <a:lnSpc>
                 <a:spcPct val="100000"/>
               </a:lnSpc>
@@ -9608,7 +9619,7 @@
             </a:endParaRPr>
           </a:p>
           <a:p>
-            <a:pPr marL="216000" indent="-214200">
+            <a:pPr marL="216000" indent="-213840">
               <a:lnSpc>
                 <a:spcPct val="100000"/>
               </a:lnSpc>
@@ -9647,7 +9658,7 @@
             </a:endParaRPr>
           </a:p>
           <a:p>
-            <a:pPr marL="216000" indent="-214200">
+            <a:pPr marL="216000" indent="-213840">
               <a:lnSpc>
                 <a:spcPct val="100000"/>
               </a:lnSpc>
@@ -9751,7 +9762,7 @@
         <p:spPr>
           <a:xfrm>
             <a:off x="5659560" y="1468080"/>
-            <a:ext cx="2570040" cy="2280960"/>
+            <a:ext cx="2569680" cy="2280600"/>
           </a:xfrm>
           <a:prstGeom prst="rect">
             <a:avLst/>
@@ -9774,7 +9785,7 @@
         <p:spPr>
           <a:xfrm>
             <a:off x="4690080" y="3885840"/>
-            <a:ext cx="4203720" cy="1696680"/>
+            <a:ext cx="4203360" cy="1696320"/>
           </a:xfrm>
           <a:prstGeom prst="rect">
             <a:avLst/>
@@ -9842,7 +9853,7 @@
         <p:spPr>
           <a:xfrm>
             <a:off x="539640" y="476640"/>
-            <a:ext cx="6478560" cy="810720"/>
+            <a:ext cx="6478200" cy="810360"/>
           </a:xfrm>
           <a:prstGeom prst="rect">
             <a:avLst/>
@@ -9934,7 +9945,7 @@
         <p:spPr>
           <a:xfrm>
             <a:off x="539640" y="6295320"/>
-            <a:ext cx="5478120" cy="362880"/>
+            <a:ext cx="5477760" cy="362520"/>
           </a:xfrm>
           <a:prstGeom prst="rect">
             <a:avLst/>
@@ -10032,7 +10043,7 @@
         <p:spPr>
           <a:xfrm>
             <a:off x="8607600" y="6492960"/>
-            <a:ext cx="534240" cy="362880"/>
+            <a:ext cx="533880" cy="362520"/>
           </a:xfrm>
           <a:prstGeom prst="rect">
             <a:avLst/>
@@ -10058,7 +10069,7 @@
         <p:spPr>
           <a:xfrm>
             <a:off x="365760" y="1463040"/>
-            <a:ext cx="8319240" cy="4387320"/>
+            <a:ext cx="8318880" cy="4386960"/>
           </a:xfrm>
           <a:prstGeom prst="rect">
             <a:avLst/>
@@ -10146,7 +10157,7 @@
             </a:endParaRPr>
           </a:p>
           <a:p>
-            <a:pPr marL="457200" indent="-214560">
+            <a:pPr marL="457200" indent="-214200">
               <a:lnSpc>
                 <a:spcPct val="100000"/>
               </a:lnSpc>
@@ -10185,7 +10196,7 @@
             </a:endParaRPr>
           </a:p>
           <a:p>
-            <a:pPr marL="457200" indent="-214560">
+            <a:pPr marL="457200" indent="-214200">
               <a:lnSpc>
                 <a:spcPct val="100000"/>
               </a:lnSpc>
@@ -10275,7 +10286,7 @@
             </a:endParaRPr>
           </a:p>
           <a:p>
-            <a:pPr marL="457200" indent="-214560">
+            <a:pPr marL="457200" indent="-214200">
               <a:lnSpc>
                 <a:spcPct val="100000"/>
               </a:lnSpc>
@@ -10391,7 +10402,7 @@
         <p:spPr>
           <a:xfrm>
             <a:off x="539640" y="476640"/>
-            <a:ext cx="6478560" cy="810720"/>
+            <a:ext cx="6478200" cy="810360"/>
           </a:xfrm>
           <a:prstGeom prst="rect">
             <a:avLst/>
@@ -10468,7 +10479,7 @@
         <p:spPr>
           <a:xfrm>
             <a:off x="539640" y="6295320"/>
-            <a:ext cx="5478120" cy="362880"/>
+            <a:ext cx="5477760" cy="362520"/>
           </a:xfrm>
           <a:prstGeom prst="rect">
             <a:avLst/>
@@ -10566,7 +10577,7 @@
         <p:spPr>
           <a:xfrm>
             <a:off x="8607600" y="6492960"/>
-            <a:ext cx="534240" cy="362880"/>
+            <a:ext cx="533880" cy="362520"/>
           </a:xfrm>
           <a:prstGeom prst="rect">
             <a:avLst/>
@@ -10592,7 +10603,7 @@
         <p:spPr>
           <a:xfrm>
             <a:off x="365760" y="1463040"/>
-            <a:ext cx="4387320" cy="4387320"/>
+            <a:ext cx="4386960" cy="4386960"/>
           </a:xfrm>
           <a:prstGeom prst="rect">
             <a:avLst/>
@@ -10624,7 +10635,42 @@
                 <a:latin typeface="Arial"/>
                 <a:ea typeface="DejaVu Sans"/>
               </a:rPr>
-              <a:t>Doesn’t require any parameter</a:t>
+              <a:t>Requires:</a:t>
+            </a:r>
+            <a:endParaRPr b="0" lang="en-US" sz="1800" spc="-1" strike="noStrike">
+              <a:solidFill>
+                <a:srgbClr val="000000"/>
+              </a:solidFill>
+              <a:uFill>
+                <a:solidFill>
+                  <a:srgbClr val="ffffff"/>
+                </a:solidFill>
+              </a:uFill>
+              <a:latin typeface="Arial"/>
+            </a:endParaRPr>
+          </a:p>
+          <a:p>
+            <a:pPr marL="216000" indent="-216000">
+              <a:buClr>
+                <a:srgbClr val="000000"/>
+              </a:buClr>
+              <a:buFont typeface="Symbol" charset="2"/>
+              <a:buChar char=""/>
+            </a:pPr>
+            <a:r>
+              <a:rPr b="0" lang="en-US" sz="1800" spc="-1" strike="noStrike">
+                <a:solidFill>
+                  <a:srgbClr val="000000"/>
+                </a:solidFill>
+                <a:uFill>
+                  <a:solidFill>
+                    <a:srgbClr val="ffffff"/>
+                  </a:solidFill>
+                </a:uFill>
+                <a:latin typeface="Arial"/>
+                <a:ea typeface="DejaVu Sans"/>
+              </a:rPr>
+              <a:t>Max number of Clusters</a:t>
             </a:r>
             <a:endParaRPr b="0" lang="en-US" sz="1800" spc="-1" strike="noStrike">
               <a:solidFill>
@@ -10748,7 +10794,7 @@
         <p:spPr>
           <a:xfrm>
             <a:off x="4572360" y="2172600"/>
-            <a:ext cx="4124520" cy="1763280"/>
+            <a:ext cx="4124160" cy="1762920"/>
           </a:xfrm>
           <a:prstGeom prst="rect">
             <a:avLst/>
@@ -10771,7 +10817,7 @@
         <p:spPr>
           <a:xfrm>
             <a:off x="4824360" y="3909960"/>
-            <a:ext cx="3758040" cy="852840"/>
+            <a:ext cx="3757680" cy="852480"/>
           </a:xfrm>
           <a:prstGeom prst="rect">
             <a:avLst/>
@@ -10839,7 +10885,7 @@
         <p:spPr>
           <a:xfrm>
             <a:off x="539640" y="476640"/>
-            <a:ext cx="6478560" cy="810720"/>
+            <a:ext cx="6478200" cy="810360"/>
           </a:xfrm>
           <a:prstGeom prst="rect">
             <a:avLst/>
@@ -10931,7 +10977,7 @@
         <p:spPr>
           <a:xfrm>
             <a:off x="539640" y="6295320"/>
-            <a:ext cx="5478120" cy="362880"/>
+            <a:ext cx="5477760" cy="362520"/>
           </a:xfrm>
           <a:prstGeom prst="rect">
             <a:avLst/>
@@ -11029,7 +11075,7 @@
         <p:spPr>
           <a:xfrm>
             <a:off x="8607600" y="6492960"/>
-            <a:ext cx="534240" cy="362880"/>
+            <a:ext cx="533880" cy="362520"/>
           </a:xfrm>
           <a:prstGeom prst="rect">
             <a:avLst/>
@@ -11055,7 +11101,7 @@
         <p:spPr>
           <a:xfrm>
             <a:off x="365760" y="1463040"/>
-            <a:ext cx="8319240" cy="4387320"/>
+            <a:ext cx="8318880" cy="4386960"/>
           </a:xfrm>
           <a:prstGeom prst="rect">
             <a:avLst/>
@@ -11143,7 +11189,7 @@
             </a:endParaRPr>
           </a:p>
           <a:p>
-            <a:pPr marL="457200" indent="-214560">
+            <a:pPr marL="457200" indent="-214200">
               <a:lnSpc>
                 <a:spcPct val="100000"/>
               </a:lnSpc>
@@ -11182,7 +11228,7 @@
             </a:endParaRPr>
           </a:p>
           <a:p>
-            <a:pPr marL="457200" indent="-214560">
+            <a:pPr marL="457200" indent="-214200">
               <a:lnSpc>
                 <a:spcPct val="100000"/>
               </a:lnSpc>
@@ -11221,7 +11267,7 @@
             </a:endParaRPr>
           </a:p>
           <a:p>
-            <a:pPr marL="457200" indent="-214560">
+            <a:pPr marL="457200" indent="-214200">
               <a:lnSpc>
                 <a:spcPct val="100000"/>
               </a:lnSpc>
@@ -11311,7 +11357,7 @@
             </a:endParaRPr>
           </a:p>
           <a:p>
-            <a:pPr marL="457200" indent="-214560">
+            <a:pPr marL="457200" indent="-214200">
               <a:lnSpc>
                 <a:spcPct val="100000"/>
               </a:lnSpc>
@@ -11350,7 +11396,7 @@
             </a:endParaRPr>
           </a:p>
           <a:p>
-            <a:pPr marL="457200" indent="-214560">
+            <a:pPr marL="457200" indent="-214200">
               <a:lnSpc>
                 <a:spcPct val="100000"/>
               </a:lnSpc>
@@ -11466,7 +11512,7 @@
         <p:spPr>
           <a:xfrm>
             <a:off x="539640" y="3812400"/>
-            <a:ext cx="8058240" cy="1473840"/>
+            <a:ext cx="8057880" cy="1473480"/>
           </a:xfrm>
           <a:prstGeom prst="rect">
             <a:avLst/>
@@ -11528,7 +11574,7 @@
         <p:spPr>
           <a:xfrm>
             <a:off x="539640" y="2906640"/>
-            <a:ext cx="8059320" cy="880200"/>
+            <a:ext cx="8058960" cy="879840"/>
           </a:xfrm>
           <a:prstGeom prst="rect">
             <a:avLst/>
@@ -11554,7 +11600,7 @@
         <p:spPr>
           <a:xfrm>
             <a:off x="8607600" y="6492960"/>
-            <a:ext cx="534240" cy="362880"/>
+            <a:ext cx="533880" cy="362520"/>
           </a:xfrm>
           <a:prstGeom prst="rect">
             <a:avLst/>
@@ -11629,7 +11675,7 @@
         <p:spPr>
           <a:xfrm>
             <a:off x="539640" y="476640"/>
-            <a:ext cx="6478560" cy="810720"/>
+            <a:ext cx="6478200" cy="810360"/>
           </a:xfrm>
           <a:prstGeom prst="rect">
             <a:avLst/>
@@ -11691,7 +11737,7 @@
         <p:spPr>
           <a:xfrm>
             <a:off x="539640" y="6295320"/>
-            <a:ext cx="5478120" cy="362880"/>
+            <a:ext cx="5477760" cy="362520"/>
           </a:xfrm>
           <a:prstGeom prst="rect">
             <a:avLst/>
@@ -11789,7 +11835,7 @@
         <p:spPr>
           <a:xfrm>
             <a:off x="8607600" y="6492960"/>
-            <a:ext cx="534240" cy="362880"/>
+            <a:ext cx="533880" cy="362520"/>
           </a:xfrm>
           <a:prstGeom prst="rect">
             <a:avLst/>
@@ -11815,7 +11861,7 @@
         <p:spPr>
           <a:xfrm>
             <a:off x="4529880" y="2377440"/>
-            <a:ext cx="3332520" cy="1362600"/>
+            <a:ext cx="3332160" cy="1362240"/>
           </a:xfrm>
           <a:prstGeom prst="rect">
             <a:avLst/>
@@ -11845,7 +11891,7 @@
         <p:spPr>
           <a:xfrm>
             <a:off x="84240" y="1563120"/>
-            <a:ext cx="8912520" cy="4105800"/>
+            <a:ext cx="8912160" cy="4105440"/>
           </a:xfrm>
           <a:prstGeom prst="rect">
             <a:avLst/>

--- a/Presentations/Milestone.pptx
+++ b/Presentations/Milestone.pptx
@@ -21,6 +21,7 @@
     <p:sldId id="267" r:id="rId16"/>
     <p:sldId id="268" r:id="rId17"/>
     <p:sldId id="269" r:id="rId18"/>
+    <p:sldId id="270" r:id="rId19"/>
   </p:sldIdLst>
   <p:sldSz cx="9144000" cy="6858000"/>
   <p:notesSz cx="7772400" cy="10058400"/>
@@ -4486,7 +4487,7 @@
         <p:spPr>
           <a:xfrm>
             <a:off x="6097320" y="6268680"/>
-            <a:ext cx="978840" cy="326160"/>
+            <a:ext cx="978120" cy="325440"/>
           </a:xfrm>
           <a:prstGeom prst="rect">
             <a:avLst/>
@@ -4509,7 +4510,7 @@
         <p:spPr>
           <a:xfrm>
             <a:off x="7193160" y="6268680"/>
-            <a:ext cx="1413720" cy="319680"/>
+            <a:ext cx="1413000" cy="318960"/>
           </a:xfrm>
           <a:prstGeom prst="rect">
             <a:avLst/>
@@ -4560,7 +4561,7 @@
         <p:spPr>
           <a:xfrm>
             <a:off x="6163920" y="365760"/>
-            <a:ext cx="2520720" cy="1408680"/>
+            <a:ext cx="2520000" cy="1407960"/>
           </a:xfrm>
           <a:prstGeom prst="rect">
             <a:avLst/>
@@ -4946,7 +4947,7 @@
         <p:spPr>
           <a:xfrm>
             <a:off x="7191000" y="476640"/>
-            <a:ext cx="1414080" cy="789480"/>
+            <a:ext cx="1413360" cy="788760"/>
           </a:xfrm>
           <a:prstGeom prst="rect">
             <a:avLst/>
@@ -4969,7 +4970,7 @@
         <p:spPr>
           <a:xfrm>
             <a:off x="6097320" y="6268680"/>
-            <a:ext cx="978840" cy="326160"/>
+            <a:ext cx="978120" cy="325440"/>
           </a:xfrm>
           <a:prstGeom prst="rect">
             <a:avLst/>
@@ -4992,7 +4993,7 @@
         <p:spPr>
           <a:xfrm>
             <a:off x="7193160" y="6268680"/>
-            <a:ext cx="1413720" cy="319680"/>
+            <a:ext cx="1413000" cy="318960"/>
           </a:xfrm>
           <a:prstGeom prst="rect">
             <a:avLst/>
@@ -5378,7 +5379,7 @@
         <p:spPr>
           <a:xfrm>
             <a:off x="6097320" y="6268680"/>
-            <a:ext cx="978840" cy="326160"/>
+            <a:ext cx="978120" cy="325440"/>
           </a:xfrm>
           <a:prstGeom prst="rect">
             <a:avLst/>
@@ -5401,7 +5402,7 @@
         <p:spPr>
           <a:xfrm>
             <a:off x="7193160" y="6268680"/>
-            <a:ext cx="1413720" cy="319680"/>
+            <a:ext cx="1413000" cy="318960"/>
           </a:xfrm>
           <a:prstGeom prst="rect">
             <a:avLst/>
@@ -5424,7 +5425,7 @@
         <p:spPr>
           <a:xfrm>
             <a:off x="6126480" y="273600"/>
-            <a:ext cx="2520720" cy="1408680"/>
+            <a:ext cx="2520000" cy="1407960"/>
           </a:xfrm>
           <a:prstGeom prst="rect">
             <a:avLst/>
@@ -5827,7 +5828,7 @@
         <p:spPr>
           <a:xfrm>
             <a:off x="539640" y="3813840"/>
-            <a:ext cx="8058960" cy="1474920"/>
+            <a:ext cx="8058240" cy="1474200"/>
           </a:xfrm>
           <a:prstGeom prst="rect">
             <a:avLst/>
@@ -5917,7 +5918,7 @@
         <p:spPr>
           <a:xfrm>
             <a:off x="539640" y="5486400"/>
-            <a:ext cx="8058960" cy="455040"/>
+            <a:ext cx="8058240" cy="454320"/>
           </a:xfrm>
           <a:prstGeom prst="rect">
             <a:avLst/>
@@ -6086,7 +6087,7 @@
         <p:spPr>
           <a:xfrm>
             <a:off x="539640" y="476640"/>
-            <a:ext cx="6478200" cy="810360"/>
+            <a:ext cx="6477480" cy="809640"/>
           </a:xfrm>
           <a:prstGeom prst="rect">
             <a:avLst/>
@@ -6148,7 +6149,7 @@
         <p:spPr>
           <a:xfrm>
             <a:off x="539640" y="6295320"/>
-            <a:ext cx="5477760" cy="362520"/>
+            <a:ext cx="5477040" cy="361800"/>
           </a:xfrm>
           <a:prstGeom prst="rect">
             <a:avLst/>
@@ -6246,7 +6247,7 @@
         <p:spPr>
           <a:xfrm>
             <a:off x="8607600" y="6492960"/>
-            <a:ext cx="533880" cy="362520"/>
+            <a:ext cx="533160" cy="361800"/>
           </a:xfrm>
           <a:prstGeom prst="rect">
             <a:avLst/>
@@ -6272,7 +6273,7 @@
         <p:spPr>
           <a:xfrm>
             <a:off x="4529880" y="2377440"/>
-            <a:ext cx="3332160" cy="1362240"/>
+            <a:ext cx="3331440" cy="1361520"/>
           </a:xfrm>
           <a:prstGeom prst="rect">
             <a:avLst/>
@@ -6298,7 +6299,7 @@
         <p:spPr>
           <a:xfrm>
             <a:off x="365760" y="1463040"/>
-            <a:ext cx="4386960" cy="4386960"/>
+            <a:ext cx="4386240" cy="4386240"/>
           </a:xfrm>
           <a:prstGeom prst="rect">
             <a:avLst/>
@@ -6372,7 +6373,7 @@
         <p:spPr>
           <a:xfrm>
             <a:off x="1779840" y="1620360"/>
-            <a:ext cx="7203600" cy="4061520"/>
+            <a:ext cx="7202880" cy="4060800"/>
           </a:xfrm>
           <a:prstGeom prst="rect">
             <a:avLst/>
@@ -6440,7 +6441,7 @@
         <p:spPr>
           <a:xfrm>
             <a:off x="539640" y="476640"/>
-            <a:ext cx="6478200" cy="810360"/>
+            <a:ext cx="6477480" cy="809640"/>
           </a:xfrm>
           <a:prstGeom prst="rect">
             <a:avLst/>
@@ -6502,7 +6503,7 @@
         <p:spPr>
           <a:xfrm>
             <a:off x="539640" y="6295320"/>
-            <a:ext cx="5477760" cy="362520"/>
+            <a:ext cx="5477040" cy="361800"/>
           </a:xfrm>
           <a:prstGeom prst="rect">
             <a:avLst/>
@@ -6600,7 +6601,7 @@
         <p:spPr>
           <a:xfrm>
             <a:off x="8607600" y="6492960"/>
-            <a:ext cx="533880" cy="362520"/>
+            <a:ext cx="533160" cy="361800"/>
           </a:xfrm>
           <a:prstGeom prst="rect">
             <a:avLst/>
@@ -6626,7 +6627,7 @@
         <p:spPr>
           <a:xfrm>
             <a:off x="4529880" y="2377440"/>
-            <a:ext cx="3332160" cy="1362240"/>
+            <a:ext cx="3331440" cy="1361520"/>
           </a:xfrm>
           <a:prstGeom prst="rect">
             <a:avLst/>
@@ -6652,7 +6653,7 @@
         <p:spPr>
           <a:xfrm>
             <a:off x="365760" y="1463040"/>
-            <a:ext cx="4386960" cy="4386960"/>
+            <a:ext cx="4386240" cy="4386240"/>
           </a:xfrm>
           <a:prstGeom prst="rect">
             <a:avLst/>
@@ -6769,7 +6770,7 @@
         <p:spPr>
           <a:xfrm>
             <a:off x="3211920" y="1659960"/>
-            <a:ext cx="5381640" cy="4190400"/>
+            <a:ext cx="5380920" cy="4189680"/>
           </a:xfrm>
           <a:prstGeom prst="rect">
             <a:avLst/>
@@ -6837,7 +6838,7 @@
         <p:spPr>
           <a:xfrm>
             <a:off x="539640" y="476640"/>
-            <a:ext cx="6478200" cy="810360"/>
+            <a:ext cx="6477480" cy="809640"/>
           </a:xfrm>
           <a:prstGeom prst="rect">
             <a:avLst/>
@@ -6899,7 +6900,7 @@
         <p:spPr>
           <a:xfrm>
             <a:off x="539640" y="6295320"/>
-            <a:ext cx="5477760" cy="362520"/>
+            <a:ext cx="5477040" cy="361800"/>
           </a:xfrm>
           <a:prstGeom prst="rect">
             <a:avLst/>
@@ -6997,7 +6998,7 @@
         <p:spPr>
           <a:xfrm>
             <a:off x="8607600" y="6492960"/>
-            <a:ext cx="533880" cy="362520"/>
+            <a:ext cx="533160" cy="361800"/>
           </a:xfrm>
           <a:prstGeom prst="rect">
             <a:avLst/>
@@ -7023,7 +7024,7 @@
         <p:spPr>
           <a:xfrm>
             <a:off x="4529880" y="2377440"/>
-            <a:ext cx="3332160" cy="1362240"/>
+            <a:ext cx="3331440" cy="1361520"/>
           </a:xfrm>
           <a:prstGeom prst="rect">
             <a:avLst/>
@@ -7049,7 +7050,7 @@
         <p:spPr>
           <a:xfrm>
             <a:off x="365760" y="1463040"/>
-            <a:ext cx="4386960" cy="4386960"/>
+            <a:ext cx="4386240" cy="4386240"/>
           </a:xfrm>
           <a:prstGeom prst="rect">
             <a:avLst/>
@@ -7199,7 +7200,7 @@
         <p:spPr>
           <a:xfrm>
             <a:off x="1783080" y="1618560"/>
-            <a:ext cx="7203600" cy="4058280"/>
+            <a:ext cx="7202880" cy="4057560"/>
           </a:xfrm>
           <a:prstGeom prst="rect">
             <a:avLst/>
@@ -7267,7 +7268,7 @@
         <p:spPr>
           <a:xfrm>
             <a:off x="539640" y="476640"/>
-            <a:ext cx="6478200" cy="810360"/>
+            <a:ext cx="6477480" cy="809640"/>
           </a:xfrm>
           <a:prstGeom prst="rect">
             <a:avLst/>
@@ -7329,7 +7330,7 @@
         <p:spPr>
           <a:xfrm>
             <a:off x="539640" y="6295320"/>
-            <a:ext cx="5477760" cy="362520"/>
+            <a:ext cx="5477040" cy="361800"/>
           </a:xfrm>
           <a:prstGeom prst="rect">
             <a:avLst/>
@@ -7427,7 +7428,7 @@
         <p:spPr>
           <a:xfrm>
             <a:off x="8607600" y="6492960"/>
-            <a:ext cx="533880" cy="362520"/>
+            <a:ext cx="533160" cy="361800"/>
           </a:xfrm>
           <a:prstGeom prst="rect">
             <a:avLst/>
@@ -7453,7 +7454,7 @@
         <p:spPr>
           <a:xfrm>
             <a:off x="4529880" y="2377440"/>
-            <a:ext cx="3332160" cy="1362240"/>
+            <a:ext cx="3331440" cy="1361520"/>
           </a:xfrm>
           <a:prstGeom prst="rect">
             <a:avLst/>
@@ -7479,7 +7480,7 @@
         <p:spPr>
           <a:xfrm>
             <a:off x="365760" y="1463040"/>
-            <a:ext cx="4386960" cy="4386960"/>
+            <a:ext cx="4386240" cy="4386240"/>
           </a:xfrm>
           <a:prstGeom prst="rect">
             <a:avLst/>
@@ -7649,6 +7650,29 @@
           </a:p>
         </p:txBody>
       </p:sp>
+      <p:pic>
+        <p:nvPicPr>
+          <p:cNvPr id="185" name="" descr=""/>
+          <p:cNvPicPr/>
+          <p:nvPr/>
+        </p:nvPicPr>
+        <p:blipFill>
+          <a:blip r:embed="rId1"/>
+          <a:stretch/>
+        </p:blipFill>
+        <p:spPr>
+          <a:xfrm>
+            <a:off x="1920240" y="1657080"/>
+            <a:ext cx="7068240" cy="3983040"/>
+          </a:xfrm>
+          <a:prstGeom prst="rect">
+            <a:avLst/>
+          </a:prstGeom>
+          <a:ln>
+            <a:noFill/>
+          </a:ln>
+        </p:spPr>
+      </p:pic>
     </p:spTree>
   </p:cSld>
   <p:timing>
@@ -7700,14 +7724,184 @@
       </p:grpSpPr>
       <p:sp>
         <p:nvSpPr>
-          <p:cNvPr id="185" name="CustomShape 1"/>
+          <p:cNvPr id="186" name="CustomShape 1"/>
           <p:cNvSpPr/>
           <p:nvPr/>
         </p:nvSpPr>
         <p:spPr>
           <a:xfrm>
+            <a:off x="539640" y="2286000"/>
+            <a:ext cx="8057160" cy="2999160"/>
+          </a:xfrm>
+          <a:prstGeom prst="rect">
+            <a:avLst/>
+          </a:prstGeom>
+          <a:noFill/>
+          <a:ln>
+            <a:noFill/>
+          </a:ln>
+        </p:spPr>
+        <p:style>
+          <a:lnRef idx="0"/>
+          <a:fillRef idx="0"/>
+          <a:effectRef idx="0"/>
+          <a:fontRef idx="minor"/>
+        </p:style>
+        <p:txBody>
+          <a:bodyPr lIns="0" rIns="0" tIns="0" bIns="0" anchor="ctr"/>
+          <a:p>
+            <a:pPr marL="25560" algn="ctr">
+              <a:lnSpc>
+                <a:spcPct val="100000"/>
+              </a:lnSpc>
+            </a:pPr>
+            <a:r>
+              <a:rPr b="1" lang="en-US" sz="3600" spc="-1" strike="noStrike" cap="all">
+                <a:solidFill>
+                  <a:srgbClr val="c50e1f"/>
+                </a:solidFill>
+                <a:uFill>
+                  <a:solidFill>
+                    <a:srgbClr val="ffffff"/>
+                  </a:solidFill>
+                </a:uFill>
+                <a:latin typeface="Arial"/>
+                <a:ea typeface="MS PGothic"/>
+              </a:rPr>
+              <a:t>Thank You for your Attention</a:t>
+            </a:r>
+            <a:endParaRPr b="0" lang="en-US" sz="3600" spc="-1" strike="noStrike">
+              <a:solidFill>
+                <a:srgbClr val="000000"/>
+              </a:solidFill>
+              <a:uFill>
+                <a:solidFill>
+                  <a:srgbClr val="ffffff"/>
+                </a:solidFill>
+              </a:uFill>
+              <a:latin typeface="Arial"/>
+            </a:endParaRPr>
+          </a:p>
+          <a:p>
+            <a:pPr marL="25560" algn="ctr">
+              <a:lnSpc>
+                <a:spcPct val="100000"/>
+              </a:lnSpc>
+            </a:pPr>
+            <a:r>
+              <a:rPr b="1" lang="en-US" sz="3600" spc="-1" strike="noStrike" cap="all">
+                <a:solidFill>
+                  <a:srgbClr val="c50e1f"/>
+                </a:solidFill>
+                <a:uFill>
+                  <a:solidFill>
+                    <a:srgbClr val="ffffff"/>
+                  </a:solidFill>
+                </a:uFill>
+                <a:latin typeface="Arial"/>
+                <a:ea typeface="MS PGothic"/>
+              </a:rPr>
+              <a:t>Questions?</a:t>
+            </a:r>
+            <a:endParaRPr b="0" lang="en-US" sz="3600" spc="-1" strike="noStrike">
+              <a:solidFill>
+                <a:srgbClr val="000000"/>
+              </a:solidFill>
+              <a:uFill>
+                <a:solidFill>
+                  <a:srgbClr val="ffffff"/>
+                </a:solidFill>
+              </a:uFill>
+              <a:latin typeface="Arial"/>
+            </a:endParaRPr>
+          </a:p>
+        </p:txBody>
+      </p:sp>
+      <p:sp>
+        <p:nvSpPr>
+          <p:cNvPr id="187" name="CustomShape 2"/>
+          <p:cNvSpPr/>
+          <p:nvPr/>
+        </p:nvSpPr>
+        <p:spPr>
+          <a:xfrm>
+            <a:off x="8607600" y="6492960"/>
+            <a:ext cx="533160" cy="361800"/>
+          </a:xfrm>
+          <a:prstGeom prst="rect">
+            <a:avLst/>
+          </a:prstGeom>
+          <a:noFill/>
+          <a:ln>
+            <a:noFill/>
+          </a:ln>
+        </p:spPr>
+        <p:style>
+          <a:lnRef idx="0"/>
+          <a:fillRef idx="0"/>
+          <a:effectRef idx="0"/>
+          <a:fontRef idx="minor"/>
+        </p:style>
+      </p:sp>
+    </p:spTree>
+  </p:cSld>
+  <p:timing>
+    <p:tnLst>
+      <p:par>
+        <p:cTn id="27" dur="indefinite" restart="never" nodeType="tmRoot">
+          <p:childTnLst>
+            <p:seq>
+              <p:cTn id="28" nodeType="mainSeq"/>
+              <p:prevCondLst>
+                <p:cond delay="0" evt="onPrev">
+                  <p:tgtEl>
+                    <p:sldTgt/>
+                  </p:tgtEl>
+                </p:cond>
+              </p:prevCondLst>
+              <p:nextCondLst>
+                <p:cond delay="0" evt="onNext">
+                  <p:tgtEl>
+                    <p:sldTgt/>
+                  </p:tgtEl>
+                </p:cond>
+              </p:nextCondLst>
+            </p:seq>
+          </p:childTnLst>
+        </p:cTn>
+      </p:par>
+    </p:tnLst>
+  </p:timing>
+</p:sld>
+</file>
+
+<file path=ppt/slides/slide15.xml><?xml version="1.0" encoding="utf-8"?>
+<p:sld xmlns:a="http://schemas.openxmlformats.org/drawingml/2006/main" xmlns:p="http://schemas.openxmlformats.org/presentationml/2006/main" xmlns:r="http://schemas.openxmlformats.org/officeDocument/2006/relationships" xmlns:p14="http://schemas.microsoft.com/office/powerpoint/2010/main" xmlns:p15="http://schemas.microsoft.com/office/powerpoint/2012/main" xmlns:mc="http://schemas.openxmlformats.org/markup-compatibility/2006">
+  <p:cSld>
+    <p:spTree>
+      <p:nvGrpSpPr>
+        <p:cNvPr id="1" name=""/>
+        <p:cNvGrpSpPr/>
+        <p:nvPr/>
+      </p:nvGrpSpPr>
+      <p:grpSpPr>
+        <a:xfrm>
+          <a:off x="0" y="0"/>
+          <a:ext cx="0" cy="0"/>
+          <a:chOff x="0" y="0"/>
+          <a:chExt cx="0" cy="0"/>
+        </a:xfrm>
+      </p:grpSpPr>
+      <p:sp>
+        <p:nvSpPr>
+          <p:cNvPr id="188" name="CustomShape 1"/>
+          <p:cNvSpPr/>
+          <p:nvPr/>
+        </p:nvSpPr>
+        <p:spPr>
+          <a:xfrm>
             <a:off x="539640" y="476640"/>
-            <a:ext cx="6478200" cy="810360"/>
+            <a:ext cx="6477480" cy="809640"/>
           </a:xfrm>
           <a:prstGeom prst="rect">
             <a:avLst/>
@@ -7762,14 +7956,14 @@
       </p:sp>
       <p:sp>
         <p:nvSpPr>
-          <p:cNvPr id="186" name="CustomShape 2"/>
+          <p:cNvPr id="189" name="CustomShape 2"/>
           <p:cNvSpPr/>
           <p:nvPr/>
         </p:nvSpPr>
         <p:spPr>
           <a:xfrm>
             <a:off x="539640" y="6295320"/>
-            <a:ext cx="5477760" cy="362520"/>
+            <a:ext cx="5477040" cy="361800"/>
           </a:xfrm>
           <a:prstGeom prst="rect">
             <a:avLst/>
@@ -7860,14 +8054,14 @@
       </p:sp>
       <p:sp>
         <p:nvSpPr>
-          <p:cNvPr id="187" name="CustomShape 3"/>
+          <p:cNvPr id="190" name="CustomShape 3"/>
           <p:cNvSpPr/>
           <p:nvPr/>
         </p:nvSpPr>
         <p:spPr>
           <a:xfrm>
             <a:off x="8607600" y="6492960"/>
-            <a:ext cx="533880" cy="362520"/>
+            <a:ext cx="533160" cy="361800"/>
           </a:xfrm>
           <a:prstGeom prst="rect">
             <a:avLst/>
@@ -7886,14 +8080,14 @@
       </p:sp>
       <p:sp>
         <p:nvSpPr>
-          <p:cNvPr id="188" name="CustomShape 4"/>
+          <p:cNvPr id="191" name="CustomShape 4"/>
           <p:cNvSpPr/>
           <p:nvPr/>
         </p:nvSpPr>
         <p:spPr>
           <a:xfrm>
             <a:off x="4529880" y="2377440"/>
-            <a:ext cx="3332160" cy="1362240"/>
+            <a:ext cx="3331440" cy="1361520"/>
           </a:xfrm>
           <a:prstGeom prst="rect">
             <a:avLst/>
@@ -7912,14 +8106,14 @@
       </p:sp>
       <p:sp>
         <p:nvSpPr>
-          <p:cNvPr id="189" name="CustomShape 5"/>
+          <p:cNvPr id="192" name="CustomShape 5"/>
           <p:cNvSpPr/>
           <p:nvPr/>
         </p:nvSpPr>
         <p:spPr>
           <a:xfrm>
             <a:off x="365760" y="1463040"/>
-            <a:ext cx="8595000" cy="4386960"/>
+            <a:ext cx="8594280" cy="4386240"/>
           </a:xfrm>
           <a:prstGeom prst="rect">
             <a:avLst/>
@@ -8046,10 +8240,10 @@
   <p:timing>
     <p:tnLst>
       <p:par>
-        <p:cTn id="27" dur="indefinite" restart="never" nodeType="tmRoot">
+        <p:cTn id="29" dur="indefinite" restart="never" nodeType="tmRoot">
           <p:childTnLst>
             <p:seq>
-              <p:cTn id="28" nodeType="mainSeq"/>
+              <p:cTn id="30" nodeType="mainSeq"/>
               <p:prevCondLst>
                 <p:cond delay="0" evt="onPrev">
                   <p:tgtEl>
@@ -8103,7 +8297,7 @@
         <p:spPr>
           <a:xfrm>
             <a:off x="534240" y="1737360"/>
-            <a:ext cx="8058960" cy="3995280"/>
+            <a:ext cx="8058240" cy="3994560"/>
           </a:xfrm>
           <a:prstGeom prst="rect">
             <a:avLst/>
@@ -8122,7 +8316,7 @@
         <p:spPr>
           <a:xfrm>
             <a:off x="539640" y="476640"/>
-            <a:ext cx="6478200" cy="810360"/>
+            <a:ext cx="6477480" cy="809640"/>
           </a:xfrm>
           <a:prstGeom prst="rect">
             <a:avLst/>
@@ -8184,7 +8378,7 @@
         <p:spPr>
           <a:xfrm>
             <a:off x="539640" y="6295320"/>
-            <a:ext cx="5477760" cy="362520"/>
+            <a:ext cx="5477040" cy="361800"/>
           </a:xfrm>
           <a:prstGeom prst="rect">
             <a:avLst/>
@@ -8282,7 +8476,7 @@
         <p:spPr>
           <a:xfrm>
             <a:off x="8607600" y="6492960"/>
-            <a:ext cx="533880" cy="362520"/>
+            <a:ext cx="533160" cy="361800"/>
           </a:xfrm>
           <a:prstGeom prst="rect">
             <a:avLst/>
@@ -8308,7 +8502,7 @@
         <p:spPr>
           <a:xfrm>
             <a:off x="4529880" y="2743200"/>
-            <a:ext cx="1777320" cy="825840"/>
+            <a:ext cx="1776600" cy="825120"/>
           </a:xfrm>
           <a:prstGeom prst="rect">
             <a:avLst/>
@@ -8334,7 +8528,7 @@
         <p:spPr>
           <a:xfrm>
             <a:off x="8470800" y="5552640"/>
-            <a:ext cx="326520" cy="345960"/>
+            <a:ext cx="325800" cy="345240"/>
           </a:xfrm>
           <a:prstGeom prst="rect">
             <a:avLst/>
@@ -8364,6 +8558,7 @@
                   </a:solidFill>
                 </a:uFill>
                 <a:latin typeface="Arial"/>
+                <a:ea typeface="DejaVu Sans"/>
               </a:rPr>
               <a:t>[2]</a:t>
             </a:r>
@@ -8439,7 +8634,7 @@
         <p:spPr>
           <a:xfrm>
             <a:off x="539640" y="476640"/>
-            <a:ext cx="6478200" cy="810360"/>
+            <a:ext cx="6477480" cy="809640"/>
           </a:xfrm>
           <a:prstGeom prst="rect">
             <a:avLst/>
@@ -8501,7 +8696,7 @@
         <p:spPr>
           <a:xfrm>
             <a:off x="539640" y="6295320"/>
-            <a:ext cx="5477760" cy="362520"/>
+            <a:ext cx="5477040" cy="361800"/>
           </a:xfrm>
           <a:prstGeom prst="rect">
             <a:avLst/>
@@ -8599,7 +8794,7 @@
         <p:spPr>
           <a:xfrm>
             <a:off x="8607600" y="6492960"/>
-            <a:ext cx="533880" cy="362520"/>
+            <a:ext cx="533160" cy="361800"/>
           </a:xfrm>
           <a:prstGeom prst="rect">
             <a:avLst/>
@@ -8625,7 +8820,7 @@
         <p:spPr>
           <a:xfrm>
             <a:off x="4529880" y="2743200"/>
-            <a:ext cx="1777320" cy="825840"/>
+            <a:ext cx="1776600" cy="825120"/>
           </a:xfrm>
           <a:prstGeom prst="rect">
             <a:avLst/>
@@ -8651,7 +8846,7 @@
         <p:spPr>
           <a:xfrm>
             <a:off x="365760" y="1463040"/>
-            <a:ext cx="4386960" cy="4386960"/>
+            <a:ext cx="4386240" cy="4386240"/>
           </a:xfrm>
           <a:prstGeom prst="rect">
             <a:avLst/>
@@ -8686,7 +8881,7 @@
               <a:t>Grouping a set of objects in a way that </a:t>
             </a:r>
             <a:r>
-              <a:rPr b="0" lang="en-US" sz="1800" spc="-1" strike="noStrike" u="sng">
+              <a:rPr b="0" lang="en-US" sz="1800" spc="-1" strike="noStrike">
                 <a:solidFill>
                   <a:srgbClr val="000000"/>
                 </a:solidFill>
@@ -8698,22 +8893,7 @@
                 <a:latin typeface="Arial"/>
                 <a:ea typeface="DejaVu Sans"/>
               </a:rPr>
-              <a:t>similar</a:t>
-            </a:r>
-            <a:r>
-              <a:rPr b="0" lang="en-US" sz="1800" spc="-1" strike="noStrike">
-                <a:solidFill>
-                  <a:srgbClr val="000000"/>
-                </a:solidFill>
-                <a:uFill>
-                  <a:solidFill>
-                    <a:srgbClr val="ffffff"/>
-                  </a:solidFill>
-                </a:uFill>
-                <a:latin typeface="Arial"/>
-                <a:ea typeface="DejaVu Sans"/>
-              </a:rPr>
-              <a:t> objects are in the same cluster.</a:t>
+              <a:t>similar objects are in the same cluster.</a:t>
             </a:r>
             <a:endParaRPr b="0" lang="en-US" sz="1800" spc="-1" strike="noStrike">
               <a:solidFill>
@@ -8769,7 +8949,7 @@
             </a:endParaRPr>
           </a:p>
           <a:p>
-            <a:pPr marL="216000" indent="-213840">
+            <a:pPr marL="216000" indent="-213120">
               <a:lnSpc>
                 <a:spcPct val="100000"/>
               </a:lnSpc>
@@ -8808,7 +8988,7 @@
             </a:endParaRPr>
           </a:p>
           <a:p>
-            <a:pPr marL="216000" indent="-213840">
+            <a:pPr marL="216000" indent="-213120">
               <a:lnSpc>
                 <a:spcPct val="100000"/>
               </a:lnSpc>
@@ -8847,7 +9027,7 @@
             </a:endParaRPr>
           </a:p>
           <a:p>
-            <a:pPr marL="216000" indent="-213840">
+            <a:pPr marL="216000" indent="-213120">
               <a:lnSpc>
                 <a:spcPct val="100000"/>
               </a:lnSpc>
@@ -8886,7 +9066,7 @@
             </a:endParaRPr>
           </a:p>
           <a:p>
-            <a:pPr marL="216000" indent="-213840">
+            <a:pPr marL="216000" indent="-213120">
               <a:lnSpc>
                 <a:spcPct val="100000"/>
               </a:lnSpc>
@@ -8939,7 +9119,7 @@
         <p:spPr>
           <a:xfrm>
             <a:off x="3931920" y="1620360"/>
-            <a:ext cx="5175000" cy="4138200"/>
+            <a:ext cx="5174280" cy="4137480"/>
           </a:xfrm>
           <a:prstGeom prst="rect">
             <a:avLst/>
@@ -8958,7 +9138,7 @@
         <p:spPr>
           <a:xfrm>
             <a:off x="5943600" y="5564160"/>
-            <a:ext cx="1660320" cy="289800"/>
+            <a:ext cx="1659600" cy="289080"/>
           </a:xfrm>
           <a:prstGeom prst="rect">
             <a:avLst/>
@@ -8988,6 +9168,7 @@
                   </a:solidFill>
                 </a:uFill>
                 <a:latin typeface="Arial"/>
+                <a:ea typeface="DejaVu Sans"/>
               </a:rPr>
               <a:t>kMeans Clustering</a:t>
             </a:r>
@@ -9063,7 +9244,7 @@
         <p:spPr>
           <a:xfrm>
             <a:off x="539640" y="476640"/>
-            <a:ext cx="6478200" cy="810360"/>
+            <a:ext cx="6477480" cy="809640"/>
           </a:xfrm>
           <a:prstGeom prst="rect">
             <a:avLst/>
@@ -9100,7 +9281,7 @@
                 <a:latin typeface="Arial"/>
                 <a:ea typeface="MS PGothic"/>
               </a:rPr>
-              <a:t>OPTICS</a:t>
+              <a:t>Self-tuning Spectral Clustering</a:t>
             </a:r>
             <a:r>
               <a:rPr b="0" lang="en-US" sz="2800" spc="-1" strike="noStrike" baseline="33000">
@@ -9115,7 +9296,7 @@
                 <a:latin typeface="Arial"/>
                 <a:ea typeface="MS PGothic"/>
               </a:rPr>
-              <a:t> [1]</a:t>
+              <a:t>[2]</a:t>
             </a:r>
             <a:endParaRPr b="0" lang="en-US" sz="1800" spc="-1" strike="noStrike">
               <a:solidFill>
@@ -9140,7 +9321,7 @@
         <p:spPr>
           <a:xfrm>
             <a:off x="539640" y="6295320"/>
-            <a:ext cx="5477760" cy="362520"/>
+            <a:ext cx="5477040" cy="361800"/>
           </a:xfrm>
           <a:prstGeom prst="rect">
             <a:avLst/>
@@ -9238,7 +9419,7 @@
         <p:spPr>
           <a:xfrm>
             <a:off x="8607600" y="6492960"/>
-            <a:ext cx="533880" cy="362520"/>
+            <a:ext cx="533160" cy="361800"/>
           </a:xfrm>
           <a:prstGeom prst="rect">
             <a:avLst/>
@@ -9264,7 +9445,7 @@
         <p:spPr>
           <a:xfrm>
             <a:off x="365760" y="1463040"/>
-            <a:ext cx="4386960" cy="4386960"/>
+            <a:ext cx="4386240" cy="4386240"/>
           </a:xfrm>
           <a:prstGeom prst="rect">
             <a:avLst/>
@@ -9282,47 +9463,6 @@
         </p:style>
         <p:txBody>
           <a:bodyPr lIns="90000" rIns="90000" tIns="45000" bIns="45000" anchor="ctr"/>
-          <a:p>
-            <a:r>
-              <a:rPr b="0" lang="en-US" sz="1800" spc="-1" strike="noStrike">
-                <a:solidFill>
-                  <a:srgbClr val="000000"/>
-                </a:solidFill>
-                <a:uFill>
-                  <a:solidFill>
-                    <a:srgbClr val="ffffff"/>
-                  </a:solidFill>
-                </a:uFill>
-                <a:latin typeface="Arial"/>
-                <a:ea typeface="DejaVu Sans"/>
-              </a:rPr>
-              <a:t>Density Based</a:t>
-            </a:r>
-            <a:endParaRPr b="0" lang="en-US" sz="1800" spc="-1" strike="noStrike">
-              <a:solidFill>
-                <a:srgbClr val="000000"/>
-              </a:solidFill>
-              <a:uFill>
-                <a:solidFill>
-                  <a:srgbClr val="ffffff"/>
-                </a:solidFill>
-              </a:uFill>
-              <a:latin typeface="Arial"/>
-            </a:endParaRPr>
-          </a:p>
-          <a:p>
-            <a:endParaRPr b="0" lang="en-US" sz="1800" spc="-1" strike="noStrike">
-              <a:solidFill>
-                <a:srgbClr val="000000"/>
-              </a:solidFill>
-              <a:uFill>
-                <a:solidFill>
-                  <a:srgbClr val="ffffff"/>
-                </a:solidFill>
-              </a:uFill>
-              <a:latin typeface="Arial"/>
-            </a:endParaRPr>
-          </a:p>
           <a:p>
             <a:r>
               <a:rPr b="0" lang="en-US" sz="1800" spc="-1" strike="noStrike">
@@ -9352,16 +9492,15 @@
             </a:endParaRPr>
           </a:p>
           <a:p>
-            <a:pPr marL="216000" indent="-213840">
+            <a:pPr marL="216000" indent="-215280">
               <a:lnSpc>
                 <a:spcPct val="100000"/>
               </a:lnSpc>
               <a:buClr>
                 <a:srgbClr val="000000"/>
               </a:buClr>
-              <a:buSzPct val="45000"/>
-              <a:buFont typeface="Wingdings" charset="2"/>
-              <a:buChar char=""/>
+              <a:buFont typeface="Symbol"/>
+              <a:buChar char=""/>
             </a:pPr>
             <a:r>
               <a:rPr b="0" lang="en-US" sz="1800" spc="-1" strike="noStrike">
@@ -9376,8 +9515,44 @@
                 <a:latin typeface="Arial"/>
                 <a:ea typeface="DejaVu Sans"/>
               </a:rPr>
-              <a:t> </a:t>
+              <a:t>Max number of Clusters</a:t>
             </a:r>
+            <a:endParaRPr b="0" lang="en-US" sz="1800" spc="-1" strike="noStrike">
+              <a:solidFill>
+                <a:srgbClr val="000000"/>
+              </a:solidFill>
+              <a:uFill>
+                <a:solidFill>
+                  <a:srgbClr val="ffffff"/>
+                </a:solidFill>
+              </a:uFill>
+              <a:latin typeface="Arial"/>
+            </a:endParaRPr>
+          </a:p>
+          <a:p>
+            <a:pPr>
+              <a:lnSpc>
+                <a:spcPct val="100000"/>
+              </a:lnSpc>
+            </a:pPr>
+            <a:endParaRPr b="0" lang="en-US" sz="1800" spc="-1" strike="noStrike">
+              <a:solidFill>
+                <a:srgbClr val="000000"/>
+              </a:solidFill>
+              <a:uFill>
+                <a:solidFill>
+                  <a:srgbClr val="ffffff"/>
+                </a:solidFill>
+              </a:uFill>
+              <a:latin typeface="Arial"/>
+            </a:endParaRPr>
+          </a:p>
+          <a:p>
+            <a:pPr>
+              <a:lnSpc>
+                <a:spcPct val="100000"/>
+              </a:lnSpc>
+            </a:pPr>
             <a:r>
               <a:rPr b="0" lang="en-US" sz="1800" spc="-1" strike="noStrike">
                 <a:solidFill>
@@ -9391,7 +9566,7 @@
                 <a:latin typeface="Arial"/>
                 <a:ea typeface="DejaVu Sans"/>
               </a:rPr>
-              <a:t>Min # Points in a Cluster (MinPts),    </a:t>
+              <a:t>Operates a dimensionality reduction using the eigenvectors of the affinity matrix.</a:t>
             </a:r>
             <a:endParaRPr b="0" lang="en-US" sz="1800" spc="-1" strike="noStrike">
               <a:solidFill>
@@ -9406,16 +9581,28 @@
             </a:endParaRPr>
           </a:p>
           <a:p>
-            <a:pPr marL="216000" indent="-213840">
+            <a:pPr>
               <a:lnSpc>
                 <a:spcPct val="100000"/>
               </a:lnSpc>
-              <a:buClr>
-                <a:srgbClr val="000000"/>
-              </a:buClr>
-              <a:buSzPct val="45000"/>
-              <a:buFont typeface="Wingdings" charset="2"/>
-              <a:buChar char=""/>
+            </a:pPr>
+            <a:endParaRPr b="0" lang="en-US" sz="1800" spc="-1" strike="noStrike">
+              <a:solidFill>
+                <a:srgbClr val="000000"/>
+              </a:solidFill>
+              <a:uFill>
+                <a:solidFill>
+                  <a:srgbClr val="ffffff"/>
+                </a:solidFill>
+              </a:uFill>
+              <a:latin typeface="Arial"/>
+            </a:endParaRPr>
+          </a:p>
+          <a:p>
+            <a:pPr>
+              <a:lnSpc>
+                <a:spcPct val="100000"/>
+              </a:lnSpc>
             </a:pPr>
             <a:r>
               <a:rPr b="0" lang="en-US" sz="1800" spc="-1" strike="noStrike">
@@ -9430,292 +9617,7 @@
                 <a:latin typeface="Arial"/>
                 <a:ea typeface="DejaVu Sans"/>
               </a:rPr>
-              <a:t> </a:t>
-            </a:r>
-            <a:r>
-              <a:rPr b="0" lang="en-US" sz="1800" spc="-1" strike="noStrike">
-                <a:solidFill>
-                  <a:srgbClr val="000000"/>
-                </a:solidFill>
-                <a:uFill>
-                  <a:solidFill>
-                    <a:srgbClr val="ffffff"/>
-                  </a:solidFill>
-                </a:uFill>
-                <a:latin typeface="Arial"/>
-                <a:ea typeface="DejaVu Sans"/>
-              </a:rPr>
-              <a:t>Max Neighborhood radius (ε),</a:t>
-            </a:r>
-            <a:endParaRPr b="0" lang="en-US" sz="1800" spc="-1" strike="noStrike">
-              <a:solidFill>
-                <a:srgbClr val="000000"/>
-              </a:solidFill>
-              <a:uFill>
-                <a:solidFill>
-                  <a:srgbClr val="ffffff"/>
-                </a:solidFill>
-              </a:uFill>
-              <a:latin typeface="Arial"/>
-            </a:endParaRPr>
-          </a:p>
-          <a:p>
-            <a:pPr marL="216000" indent="-213840">
-              <a:lnSpc>
-                <a:spcPct val="100000"/>
-              </a:lnSpc>
-              <a:buClr>
-                <a:srgbClr val="000000"/>
-              </a:buClr>
-              <a:buSzPct val="45000"/>
-              <a:buFont typeface="Wingdings" charset="2"/>
-              <a:buChar char=""/>
-            </a:pPr>
-            <a:r>
-              <a:rPr b="0" lang="en-US" sz="1800" spc="-1" strike="noStrike">
-                <a:solidFill>
-                  <a:srgbClr val="000000"/>
-                </a:solidFill>
-                <a:uFill>
-                  <a:solidFill>
-                    <a:srgbClr val="ffffff"/>
-                  </a:solidFill>
-                </a:uFill>
-                <a:latin typeface="Arial"/>
-                <a:ea typeface="DejaVu Sans"/>
-              </a:rPr>
-              <a:t> </a:t>
-            </a:r>
-            <a:r>
-              <a:rPr b="0" lang="en-US" sz="1800" spc="-1" strike="noStrike">
-                <a:solidFill>
-                  <a:srgbClr val="000000"/>
-                </a:solidFill>
-                <a:uFill>
-                  <a:solidFill>
-                    <a:srgbClr val="ffffff"/>
-                  </a:solidFill>
-                </a:uFill>
-                <a:latin typeface="Arial"/>
-                <a:ea typeface="DejaVu Sans"/>
-              </a:rPr>
-              <a:t>Degree of Steepness (</a:t>
-            </a:r>
-            <a:r>
-              <a:rPr b="0" lang="en-US" sz="1800" spc="-1" strike="noStrike">
-                <a:solidFill>
-                  <a:srgbClr val="000000"/>
-                </a:solidFill>
-                <a:uFill>
-                  <a:solidFill>
-                    <a:srgbClr val="ffffff"/>
-                  </a:solidFill>
-                </a:uFill>
-                <a:latin typeface="Arial"/>
-                <a:ea typeface="Arial"/>
-              </a:rPr>
-              <a:t>ξ).</a:t>
-            </a:r>
-            <a:endParaRPr b="0" lang="en-US" sz="1800" spc="-1" strike="noStrike">
-              <a:solidFill>
-                <a:srgbClr val="000000"/>
-              </a:solidFill>
-              <a:uFill>
-                <a:solidFill>
-                  <a:srgbClr val="ffffff"/>
-                </a:solidFill>
-              </a:uFill>
-              <a:latin typeface="Arial"/>
-            </a:endParaRPr>
-          </a:p>
-          <a:p>
-            <a:pPr>
-              <a:lnSpc>
-                <a:spcPct val="100000"/>
-              </a:lnSpc>
-            </a:pPr>
-            <a:endParaRPr b="0" lang="en-US" sz="1800" spc="-1" strike="noStrike">
-              <a:solidFill>
-                <a:srgbClr val="000000"/>
-              </a:solidFill>
-              <a:uFill>
-                <a:solidFill>
-                  <a:srgbClr val="ffffff"/>
-                </a:solidFill>
-              </a:uFill>
-              <a:latin typeface="Arial"/>
-            </a:endParaRPr>
-          </a:p>
-          <a:p>
-            <a:pPr>
-              <a:lnSpc>
-                <a:spcPct val="100000"/>
-              </a:lnSpc>
-            </a:pPr>
-            <a:r>
-              <a:rPr b="0" lang="en-US" sz="1800" spc="-1" strike="noStrike">
-                <a:solidFill>
-                  <a:srgbClr val="000000"/>
-                </a:solidFill>
-                <a:uFill>
-                  <a:solidFill>
-                    <a:srgbClr val="ffffff"/>
-                  </a:solidFill>
-                </a:uFill>
-                <a:latin typeface="Arial"/>
-                <a:ea typeface="Arial"/>
-              </a:rPr>
-              <a:t>Produces Reachability Plot:</a:t>
-            </a:r>
-            <a:endParaRPr b="0" lang="en-US" sz="1800" spc="-1" strike="noStrike">
-              <a:solidFill>
-                <a:srgbClr val="000000"/>
-              </a:solidFill>
-              <a:uFill>
-                <a:solidFill>
-                  <a:srgbClr val="ffffff"/>
-                </a:solidFill>
-              </a:uFill>
-              <a:latin typeface="Arial"/>
-            </a:endParaRPr>
-          </a:p>
-          <a:p>
-            <a:pPr marL="216000" indent="-213840">
-              <a:lnSpc>
-                <a:spcPct val="100000"/>
-              </a:lnSpc>
-              <a:buClr>
-                <a:srgbClr val="000000"/>
-              </a:buClr>
-              <a:buSzPct val="45000"/>
-              <a:buFont typeface="Wingdings" charset="2"/>
-              <a:buChar char=""/>
-            </a:pPr>
-            <a:r>
-              <a:rPr b="0" lang="en-US" sz="1800" spc="-1" strike="noStrike">
-                <a:solidFill>
-                  <a:srgbClr val="000000"/>
-                </a:solidFill>
-                <a:uFill>
-                  <a:solidFill>
-                    <a:srgbClr val="ffffff"/>
-                  </a:solidFill>
-                </a:uFill>
-                <a:latin typeface="Arial"/>
-                <a:ea typeface="Arial"/>
-              </a:rPr>
-              <a:t>Points ordered by core distance</a:t>
-            </a:r>
-            <a:endParaRPr b="0" lang="en-US" sz="1800" spc="-1" strike="noStrike">
-              <a:solidFill>
-                <a:srgbClr val="000000"/>
-              </a:solidFill>
-              <a:uFill>
-                <a:solidFill>
-                  <a:srgbClr val="ffffff"/>
-                </a:solidFill>
-              </a:uFill>
-              <a:latin typeface="Arial"/>
-            </a:endParaRPr>
-          </a:p>
-          <a:p>
-            <a:pPr marL="216000" indent="-213840">
-              <a:lnSpc>
-                <a:spcPct val="100000"/>
-              </a:lnSpc>
-              <a:buClr>
-                <a:srgbClr val="000000"/>
-              </a:buClr>
-              <a:buSzPct val="45000"/>
-              <a:buFont typeface="Wingdings" charset="2"/>
-              <a:buChar char=""/>
-            </a:pPr>
-            <a:r>
-              <a:rPr b="0" lang="en-US" sz="1800" spc="-1" strike="noStrike">
-                <a:solidFill>
-                  <a:srgbClr val="000000"/>
-                </a:solidFill>
-                <a:uFill>
-                  <a:solidFill>
-                    <a:srgbClr val="ffffff"/>
-                  </a:solidFill>
-                </a:uFill>
-                <a:latin typeface="Arial"/>
-                <a:ea typeface="Arial"/>
-              </a:rPr>
-              <a:t>Shows different reachability distance</a:t>
-            </a:r>
-            <a:endParaRPr b="0" lang="en-US" sz="1800" spc="-1" strike="noStrike">
-              <a:solidFill>
-                <a:srgbClr val="000000"/>
-              </a:solidFill>
-              <a:uFill>
-                <a:solidFill>
-                  <a:srgbClr val="ffffff"/>
-                </a:solidFill>
-              </a:uFill>
-              <a:latin typeface="Arial"/>
-            </a:endParaRPr>
-          </a:p>
-          <a:p>
-            <a:pPr marL="216000" indent="-213840">
-              <a:lnSpc>
-                <a:spcPct val="100000"/>
-              </a:lnSpc>
-              <a:buClr>
-                <a:srgbClr val="000000"/>
-              </a:buClr>
-              <a:buSzPct val="45000"/>
-              <a:buFont typeface="Wingdings" charset="2"/>
-              <a:buChar char=""/>
-            </a:pPr>
-            <a:r>
-              <a:rPr b="0" lang="en-US" sz="1800" spc="-1" strike="noStrike">
-                <a:solidFill>
-                  <a:srgbClr val="000000"/>
-                </a:solidFill>
-                <a:uFill>
-                  <a:solidFill>
-                    <a:srgbClr val="ffffff"/>
-                  </a:solidFill>
-                </a:uFill>
-                <a:latin typeface="Arial"/>
-                <a:ea typeface="Arial"/>
-              </a:rPr>
-              <a:t> </a:t>
-            </a:r>
-            <a:endParaRPr b="0" lang="en-US" sz="1800" spc="-1" strike="noStrike">
-              <a:solidFill>
-                <a:srgbClr val="000000"/>
-              </a:solidFill>
-              <a:uFill>
-                <a:solidFill>
-                  <a:srgbClr val="ffffff"/>
-                </a:solidFill>
-              </a:uFill>
-              <a:latin typeface="Arial"/>
-            </a:endParaRPr>
-          </a:p>
-          <a:p>
-            <a:pPr>
-              <a:lnSpc>
-                <a:spcPct val="100000"/>
-              </a:lnSpc>
-            </a:pPr>
-            <a:r>
-              <a:rPr b="0" lang="en-US" sz="1800" spc="-1" strike="noStrike">
-                <a:solidFill>
-                  <a:srgbClr val="000000"/>
-                </a:solidFill>
-                <a:uFill>
-                  <a:solidFill>
-                    <a:srgbClr val="ffffff"/>
-                  </a:solidFill>
-                </a:uFill>
-                <a:latin typeface="Arial"/>
-                <a:ea typeface="Arial"/>
-              </a:rPr>
-              <a:t>Automatic cluster extraction from the plot</a:t>
+              <a:t>Exploits the eigenvectors structure to determine the optimal number of clusters.</a:t>
             </a:r>
             <a:endParaRPr b="0" lang="en-US" sz="1800" spc="-1" strike="noStrike">
               <a:solidFill>
@@ -9761,8 +9663,8 @@
         </p:blipFill>
         <p:spPr>
           <a:xfrm>
-            <a:off x="5659560" y="1468080"/>
-            <a:ext cx="2569680" cy="2280600"/>
+            <a:off x="4572360" y="2172600"/>
+            <a:ext cx="4123440" cy="1762200"/>
           </a:xfrm>
           <a:prstGeom prst="rect">
             <a:avLst/>
@@ -9784,8 +9686,8 @@
         </p:blipFill>
         <p:spPr>
           <a:xfrm>
-            <a:off x="4690080" y="3885840"/>
-            <a:ext cx="4203360" cy="1696320"/>
+            <a:off x="4824360" y="3909960"/>
+            <a:ext cx="3756960" cy="851760"/>
           </a:xfrm>
           <a:prstGeom prst="rect">
             <a:avLst/>
@@ -9853,7 +9755,7 @@
         <p:spPr>
           <a:xfrm>
             <a:off x="539640" y="476640"/>
-            <a:ext cx="6478200" cy="810360"/>
+            <a:ext cx="6477480" cy="809640"/>
           </a:xfrm>
           <a:prstGeom prst="rect">
             <a:avLst/>
@@ -9890,7 +9792,7 @@
                 <a:latin typeface="Arial"/>
                 <a:ea typeface="MS PGothic"/>
               </a:rPr>
-              <a:t>OPTICS</a:t>
+              <a:t>Self-tuning Spectral Clustering</a:t>
             </a:r>
             <a:r>
               <a:rPr b="0" lang="en-US" sz="2800" spc="-1" strike="noStrike" baseline="33000">
@@ -9905,7 +9807,7 @@
                 <a:latin typeface="Arial"/>
                 <a:ea typeface="MS PGothic"/>
               </a:rPr>
-              <a:t>[1]</a:t>
+              <a:t>[2]</a:t>
             </a:r>
             <a:r>
               <a:rPr b="0" lang="en-US" sz="2800" spc="-1" strike="noStrike">
@@ -9945,7 +9847,7 @@
         <p:spPr>
           <a:xfrm>
             <a:off x="539640" y="6295320"/>
-            <a:ext cx="5477760" cy="362520"/>
+            <a:ext cx="5477040" cy="361800"/>
           </a:xfrm>
           <a:prstGeom prst="rect">
             <a:avLst/>
@@ -10043,7 +9945,7 @@
         <p:spPr>
           <a:xfrm>
             <a:off x="8607600" y="6492960"/>
-            <a:ext cx="533880" cy="362520"/>
+            <a:ext cx="533160" cy="361800"/>
           </a:xfrm>
           <a:prstGeom prst="rect">
             <a:avLst/>
@@ -10069,7 +9971,7 @@
         <p:spPr>
           <a:xfrm>
             <a:off x="365760" y="1463040"/>
-            <a:ext cx="8318880" cy="4386960"/>
+            <a:ext cx="8318160" cy="4386240"/>
           </a:xfrm>
           <a:prstGeom prst="rect">
             <a:avLst/>
@@ -10101,7 +10003,7 @@
                 <a:latin typeface="Arial"/>
                 <a:ea typeface="DejaVu Sans"/>
               </a:rPr>
-              <a:t>Implementations already available in: Java, Python, R and Matlab.</a:t>
+              <a:t>Implementations already available in: C++ and Matlab</a:t>
             </a:r>
             <a:endParaRPr b="0" lang="en-US" sz="1800" spc="-1" strike="noStrike">
               <a:solidFill>
@@ -10157,7 +10059,7 @@
             </a:endParaRPr>
           </a:p>
           <a:p>
-            <a:pPr marL="457200" indent="-214200">
+            <a:pPr marL="457200" indent="-213480">
               <a:lnSpc>
                 <a:spcPct val="100000"/>
               </a:lnSpc>
@@ -10181,7 +10083,7 @@
                 <a:latin typeface="Arial"/>
                 <a:ea typeface="DejaVu Sans"/>
               </a:rPr>
-              <a:t>Comparison of the different Implementations, with the focus on the automatic extraction</a:t>
+              <a:t>Investigate the construction of the affinity matrix</a:t>
             </a:r>
             <a:endParaRPr b="0" lang="en-US" sz="1800" spc="-1" strike="noStrike">
               <a:solidFill>
@@ -10196,7 +10098,46 @@
             </a:endParaRPr>
           </a:p>
           <a:p>
-            <a:pPr marL="457200" indent="-214200">
+            <a:pPr marL="457200" indent="-213480">
+              <a:lnSpc>
+                <a:spcPct val="100000"/>
+              </a:lnSpc>
+              <a:buClr>
+                <a:srgbClr val="000000"/>
+              </a:buClr>
+              <a:buSzPct val="45000"/>
+              <a:buFont typeface="Wingdings" charset="2"/>
+              <a:buChar char=""/>
+            </a:pPr>
+            <a:r>
+              <a:rPr b="0" lang="en-US" sz="1800" spc="-1" strike="noStrike">
+                <a:solidFill>
+                  <a:srgbClr val="000000"/>
+                </a:solidFill>
+                <a:uFill>
+                  <a:solidFill>
+                    <a:srgbClr val="ffffff"/>
+                  </a:solidFill>
+                </a:uFill>
+                <a:latin typeface="Arial"/>
+                <a:ea typeface="DejaVu Sans"/>
+              </a:rPr>
+              <a:t>Comparison with OPTICS</a:t>
+            </a:r>
+            <a:endParaRPr b="0" lang="en-US" sz="1800" spc="-1" strike="noStrike">
+              <a:solidFill>
+                <a:srgbClr val="000000"/>
+              </a:solidFill>
+              <a:uFill>
+                <a:solidFill>
+                  <a:srgbClr val="ffffff"/>
+                </a:solidFill>
+              </a:uFill>
+              <a:latin typeface="Arial"/>
+            </a:endParaRPr>
+          </a:p>
+          <a:p>
+            <a:pPr marL="457200" indent="-213480">
               <a:lnSpc>
                 <a:spcPct val="100000"/>
               </a:lnSpc>
@@ -10222,114 +10163,6 @@
               </a:rPr>
               <a:t>Performance Analysis</a:t>
             </a:r>
-            <a:endParaRPr b="0" lang="en-US" sz="1800" spc="-1" strike="noStrike">
-              <a:solidFill>
-                <a:srgbClr val="000000"/>
-              </a:solidFill>
-              <a:uFill>
-                <a:solidFill>
-                  <a:srgbClr val="ffffff"/>
-                </a:solidFill>
-              </a:uFill>
-              <a:latin typeface="Arial"/>
-            </a:endParaRPr>
-          </a:p>
-          <a:p>
-            <a:pPr>
-              <a:lnSpc>
-                <a:spcPct val="100000"/>
-              </a:lnSpc>
-            </a:pPr>
-            <a:endParaRPr b="0" lang="en-US" sz="1800" spc="-1" strike="noStrike">
-              <a:solidFill>
-                <a:srgbClr val="000000"/>
-              </a:solidFill>
-              <a:uFill>
-                <a:solidFill>
-                  <a:srgbClr val="ffffff"/>
-                </a:solidFill>
-              </a:uFill>
-              <a:latin typeface="Arial"/>
-            </a:endParaRPr>
-          </a:p>
-          <a:p>
-            <a:pPr>
-              <a:lnSpc>
-                <a:spcPct val="100000"/>
-              </a:lnSpc>
-            </a:pPr>
-            <a:r>
-              <a:rPr b="0" lang="en-US" sz="1800" spc="-1" strike="noStrike">
-                <a:solidFill>
-                  <a:srgbClr val="000000"/>
-                </a:solidFill>
-                <a:uFill>
-                  <a:solidFill>
-                    <a:srgbClr val="ffffff"/>
-                  </a:solidFill>
-                </a:uFill>
-                <a:latin typeface="Arial"/>
-                <a:ea typeface="DejaVu Sans"/>
-              </a:rPr>
-              <a:t>Problem:</a:t>
-            </a:r>
-            <a:endParaRPr b="0" lang="en-US" sz="1800" spc="-1" strike="noStrike">
-              <a:solidFill>
-                <a:srgbClr val="000000"/>
-              </a:solidFill>
-              <a:uFill>
-                <a:solidFill>
-                  <a:srgbClr val="ffffff"/>
-                </a:solidFill>
-              </a:uFill>
-              <a:latin typeface="Arial"/>
-            </a:endParaRPr>
-          </a:p>
-          <a:p>
-            <a:pPr marL="457200" indent="-214200">
-              <a:lnSpc>
-                <a:spcPct val="100000"/>
-              </a:lnSpc>
-              <a:buClr>
-                <a:srgbClr val="000000"/>
-              </a:buClr>
-              <a:buSzPct val="45000"/>
-              <a:buFont typeface="Wingdings" charset="2"/>
-              <a:buChar char=""/>
-            </a:pPr>
-            <a:r>
-              <a:rPr b="0" lang="en-US" sz="1800" spc="-1" strike="noStrike">
-                <a:solidFill>
-                  <a:srgbClr val="000000"/>
-                </a:solidFill>
-                <a:uFill>
-                  <a:solidFill>
-                    <a:srgbClr val="ffffff"/>
-                  </a:solidFill>
-                </a:uFill>
-                <a:latin typeface="Arial"/>
-                <a:ea typeface="DejaVu Sans"/>
-              </a:rPr>
-              <a:t>Not all implementations extract automatically the clusters</a:t>
-            </a:r>
-            <a:endParaRPr b="0" lang="en-US" sz="1800" spc="-1" strike="noStrike">
-              <a:solidFill>
-                <a:srgbClr val="000000"/>
-              </a:solidFill>
-              <a:uFill>
-                <a:solidFill>
-                  <a:srgbClr val="ffffff"/>
-                </a:solidFill>
-              </a:uFill>
-              <a:latin typeface="Arial"/>
-            </a:endParaRPr>
-          </a:p>
-          <a:p>
-            <a:pPr>
-              <a:lnSpc>
-                <a:spcPct val="100000"/>
-              </a:lnSpc>
-            </a:pPr>
             <a:endParaRPr b="0" lang="en-US" sz="1800" spc="-1" strike="noStrike">
               <a:solidFill>
                 <a:srgbClr val="000000"/>
@@ -10402,7 +10235,7 @@
         <p:spPr>
           <a:xfrm>
             <a:off x="539640" y="476640"/>
-            <a:ext cx="6478200" cy="810360"/>
+            <a:ext cx="6477480" cy="809640"/>
           </a:xfrm>
           <a:prstGeom prst="rect">
             <a:avLst/>
@@ -10439,7 +10272,7 @@
                 <a:latin typeface="Arial"/>
                 <a:ea typeface="MS PGothic"/>
               </a:rPr>
-              <a:t>Self-tuning Spectral Clustering</a:t>
+              <a:t>OPTICS</a:t>
             </a:r>
             <a:r>
               <a:rPr b="0" lang="en-US" sz="2800" spc="-1" strike="noStrike" baseline="33000">
@@ -10454,7 +10287,7 @@
                 <a:latin typeface="Arial"/>
                 <a:ea typeface="MS PGothic"/>
               </a:rPr>
-              <a:t>[2]</a:t>
+              <a:t> [1]</a:t>
             </a:r>
             <a:endParaRPr b="0" lang="en-US" sz="1800" spc="-1" strike="noStrike">
               <a:solidFill>
@@ -10479,7 +10312,7 @@
         <p:spPr>
           <a:xfrm>
             <a:off x="539640" y="6295320"/>
-            <a:ext cx="5477760" cy="362520"/>
+            <a:ext cx="5477040" cy="361800"/>
           </a:xfrm>
           <a:prstGeom prst="rect">
             <a:avLst/>
@@ -10577,7 +10410,7 @@
         <p:spPr>
           <a:xfrm>
             <a:off x="8607600" y="6492960"/>
-            <a:ext cx="533880" cy="362520"/>
+            <a:ext cx="533160" cy="361800"/>
           </a:xfrm>
           <a:prstGeom prst="rect">
             <a:avLst/>
@@ -10603,7 +10436,7 @@
         <p:spPr>
           <a:xfrm>
             <a:off x="365760" y="1463040"/>
-            <a:ext cx="4386960" cy="4386960"/>
+            <a:ext cx="4386240" cy="4386240"/>
           </a:xfrm>
           <a:prstGeom prst="rect">
             <a:avLst/>
@@ -10621,6 +10454,47 @@
         </p:style>
         <p:txBody>
           <a:bodyPr lIns="90000" rIns="90000" tIns="45000" bIns="45000" anchor="ctr"/>
+          <a:p>
+            <a:r>
+              <a:rPr b="0" lang="en-US" sz="1800" spc="-1" strike="noStrike">
+                <a:solidFill>
+                  <a:srgbClr val="000000"/>
+                </a:solidFill>
+                <a:uFill>
+                  <a:solidFill>
+                    <a:srgbClr val="ffffff"/>
+                  </a:solidFill>
+                </a:uFill>
+                <a:latin typeface="Arial"/>
+                <a:ea typeface="DejaVu Sans"/>
+              </a:rPr>
+              <a:t>Density Based</a:t>
+            </a:r>
+            <a:endParaRPr b="0" lang="en-US" sz="1800" spc="-1" strike="noStrike">
+              <a:solidFill>
+                <a:srgbClr val="000000"/>
+              </a:solidFill>
+              <a:uFill>
+                <a:solidFill>
+                  <a:srgbClr val="ffffff"/>
+                </a:solidFill>
+              </a:uFill>
+              <a:latin typeface="Arial"/>
+            </a:endParaRPr>
+          </a:p>
+          <a:p>
+            <a:endParaRPr b="0" lang="en-US" sz="1800" spc="-1" strike="noStrike">
+              <a:solidFill>
+                <a:srgbClr val="000000"/>
+              </a:solidFill>
+              <a:uFill>
+                <a:solidFill>
+                  <a:srgbClr val="ffffff"/>
+                </a:solidFill>
+              </a:uFill>
+              <a:latin typeface="Arial"/>
+            </a:endParaRPr>
+          </a:p>
           <a:p>
             <a:r>
               <a:rPr b="0" lang="en-US" sz="1800" spc="-1" strike="noStrike">
@@ -10650,12 +10524,16 @@
             </a:endParaRPr>
           </a:p>
           <a:p>
-            <a:pPr marL="216000" indent="-216000">
+            <a:pPr marL="216000" indent="-213120">
+              <a:lnSpc>
+                <a:spcPct val="100000"/>
+              </a:lnSpc>
               <a:buClr>
                 <a:srgbClr val="000000"/>
               </a:buClr>
-              <a:buFont typeface="Symbol" charset="2"/>
-              <a:buChar char=""/>
+              <a:buSzPct val="45000"/>
+              <a:buFont typeface="Wingdings" charset="2"/>
+              <a:buChar char=""/>
             </a:pPr>
             <a:r>
               <a:rPr b="0" lang="en-US" sz="1800" spc="-1" strike="noStrike">
@@ -10670,34 +10548,8 @@
                 <a:latin typeface="Arial"/>
                 <a:ea typeface="DejaVu Sans"/>
               </a:rPr>
-              <a:t>Max number of Clusters</a:t>
+              <a:t> </a:t>
             </a:r>
-            <a:endParaRPr b="0" lang="en-US" sz="1800" spc="-1" strike="noStrike">
-              <a:solidFill>
-                <a:srgbClr val="000000"/>
-              </a:solidFill>
-              <a:uFill>
-                <a:solidFill>
-                  <a:srgbClr val="ffffff"/>
-                </a:solidFill>
-              </a:uFill>
-              <a:latin typeface="Arial"/>
-            </a:endParaRPr>
-          </a:p>
-          <a:p>
-            <a:endParaRPr b="0" lang="en-US" sz="1800" spc="-1" strike="noStrike">
-              <a:solidFill>
-                <a:srgbClr val="000000"/>
-              </a:solidFill>
-              <a:uFill>
-                <a:solidFill>
-                  <a:srgbClr val="ffffff"/>
-                </a:solidFill>
-              </a:uFill>
-              <a:latin typeface="Arial"/>
-            </a:endParaRPr>
-          </a:p>
-          <a:p>
             <a:r>
               <a:rPr b="0" lang="en-US" sz="1800" spc="-1" strike="noStrike">
                 <a:solidFill>
@@ -10711,7 +10563,7 @@
                 <a:latin typeface="Arial"/>
                 <a:ea typeface="DejaVu Sans"/>
               </a:rPr>
-              <a:t>Operates a dimensionality reduction using the eigenvectors of the affinity matrix.</a:t>
+              <a:t>Min # Points in a Cluster (MinPts),    </a:t>
             </a:r>
             <a:endParaRPr b="0" lang="en-US" sz="1800" spc="-1" strike="noStrike">
               <a:solidFill>
@@ -10726,19 +10578,17 @@
             </a:endParaRPr>
           </a:p>
           <a:p>
-            <a:endParaRPr b="0" lang="en-US" sz="1800" spc="-1" strike="noStrike">
-              <a:solidFill>
-                <a:srgbClr val="000000"/>
-              </a:solidFill>
-              <a:uFill>
-                <a:solidFill>
-                  <a:srgbClr val="ffffff"/>
-                </a:solidFill>
-              </a:uFill>
-              <a:latin typeface="Arial"/>
-            </a:endParaRPr>
-          </a:p>
-          <a:p>
+            <a:pPr marL="216000" indent="-213120">
+              <a:lnSpc>
+                <a:spcPct val="100000"/>
+              </a:lnSpc>
+              <a:buClr>
+                <a:srgbClr val="000000"/>
+              </a:buClr>
+              <a:buSzPct val="45000"/>
+              <a:buFont typeface="Wingdings" charset="2"/>
+              <a:buChar char=""/>
+            </a:pPr>
             <a:r>
               <a:rPr b="0" lang="en-US" sz="1800" spc="-1" strike="noStrike">
                 <a:solidFill>
@@ -10752,7 +10602,22 @@
                 <a:latin typeface="Arial"/>
                 <a:ea typeface="DejaVu Sans"/>
               </a:rPr>
-              <a:t>Exploits the eigenvectors structure to determine the optimal number of clusters.</a:t>
+              <a:t> </a:t>
+            </a:r>
+            <a:r>
+              <a:rPr b="0" lang="en-US" sz="1800" spc="-1" strike="noStrike">
+                <a:solidFill>
+                  <a:srgbClr val="000000"/>
+                </a:solidFill>
+                <a:uFill>
+                  <a:solidFill>
+                    <a:srgbClr val="ffffff"/>
+                  </a:solidFill>
+                </a:uFill>
+                <a:latin typeface="Arial"/>
+                <a:ea typeface="DejaVu Sans"/>
+              </a:rPr>
+              <a:t>Max Neighborhood radius (ε),</a:t>
             </a:r>
             <a:endParaRPr b="0" lang="en-US" sz="1800" spc="-1" strike="noStrike">
               <a:solidFill>
@@ -10767,6 +10632,203 @@
             </a:endParaRPr>
           </a:p>
           <a:p>
+            <a:pPr marL="216000" indent="-213120">
+              <a:lnSpc>
+                <a:spcPct val="100000"/>
+              </a:lnSpc>
+              <a:buClr>
+                <a:srgbClr val="000000"/>
+              </a:buClr>
+              <a:buSzPct val="45000"/>
+              <a:buFont typeface="Wingdings" charset="2"/>
+              <a:buChar char=""/>
+            </a:pPr>
+            <a:r>
+              <a:rPr b="0" lang="en-US" sz="1800" spc="-1" strike="noStrike">
+                <a:solidFill>
+                  <a:srgbClr val="000000"/>
+                </a:solidFill>
+                <a:uFill>
+                  <a:solidFill>
+                    <a:srgbClr val="ffffff"/>
+                  </a:solidFill>
+                </a:uFill>
+                <a:latin typeface="Arial"/>
+                <a:ea typeface="DejaVu Sans"/>
+              </a:rPr>
+              <a:t> </a:t>
+            </a:r>
+            <a:r>
+              <a:rPr b="0" lang="en-US" sz="1800" spc="-1" strike="noStrike">
+                <a:solidFill>
+                  <a:srgbClr val="000000"/>
+                </a:solidFill>
+                <a:uFill>
+                  <a:solidFill>
+                    <a:srgbClr val="ffffff"/>
+                  </a:solidFill>
+                </a:uFill>
+                <a:latin typeface="Arial"/>
+                <a:ea typeface="DejaVu Sans"/>
+              </a:rPr>
+              <a:t>Degree of Steepness (</a:t>
+            </a:r>
+            <a:r>
+              <a:rPr b="0" lang="en-US" sz="1800" spc="-1" strike="noStrike">
+                <a:solidFill>
+                  <a:srgbClr val="000000"/>
+                </a:solidFill>
+                <a:uFill>
+                  <a:solidFill>
+                    <a:srgbClr val="ffffff"/>
+                  </a:solidFill>
+                </a:uFill>
+                <a:latin typeface="Arial"/>
+                <a:ea typeface="Arial"/>
+              </a:rPr>
+              <a:t>ξ).</a:t>
+            </a:r>
+            <a:endParaRPr b="0" lang="en-US" sz="1800" spc="-1" strike="noStrike">
+              <a:solidFill>
+                <a:srgbClr val="000000"/>
+              </a:solidFill>
+              <a:uFill>
+                <a:solidFill>
+                  <a:srgbClr val="ffffff"/>
+                </a:solidFill>
+              </a:uFill>
+              <a:latin typeface="Arial"/>
+            </a:endParaRPr>
+          </a:p>
+          <a:p>
+            <a:pPr>
+              <a:lnSpc>
+                <a:spcPct val="100000"/>
+              </a:lnSpc>
+            </a:pPr>
+            <a:endParaRPr b="0" lang="en-US" sz="1800" spc="-1" strike="noStrike">
+              <a:solidFill>
+                <a:srgbClr val="000000"/>
+              </a:solidFill>
+              <a:uFill>
+                <a:solidFill>
+                  <a:srgbClr val="ffffff"/>
+                </a:solidFill>
+              </a:uFill>
+              <a:latin typeface="Arial"/>
+            </a:endParaRPr>
+          </a:p>
+          <a:p>
+            <a:pPr>
+              <a:lnSpc>
+                <a:spcPct val="100000"/>
+              </a:lnSpc>
+            </a:pPr>
+            <a:r>
+              <a:rPr b="0" lang="en-US" sz="1800" spc="-1" strike="noStrike">
+                <a:solidFill>
+                  <a:srgbClr val="000000"/>
+                </a:solidFill>
+                <a:uFill>
+                  <a:solidFill>
+                    <a:srgbClr val="ffffff"/>
+                  </a:solidFill>
+                </a:uFill>
+                <a:latin typeface="Arial"/>
+                <a:ea typeface="Arial"/>
+              </a:rPr>
+              <a:t>Produces Reachability Plot</a:t>
+            </a:r>
+            <a:endParaRPr b="0" lang="en-US" sz="1800" spc="-1" strike="noStrike">
+              <a:solidFill>
+                <a:srgbClr val="000000"/>
+              </a:solidFill>
+              <a:uFill>
+                <a:solidFill>
+                  <a:srgbClr val="ffffff"/>
+                </a:solidFill>
+              </a:uFill>
+              <a:latin typeface="Arial"/>
+            </a:endParaRPr>
+          </a:p>
+          <a:p>
+            <a:pPr marL="216000" indent="-213120">
+              <a:lnSpc>
+                <a:spcPct val="100000"/>
+              </a:lnSpc>
+              <a:buClr>
+                <a:srgbClr val="000000"/>
+              </a:buClr>
+              <a:buSzPct val="45000"/>
+              <a:buFont typeface="Wingdings" charset="2"/>
+              <a:buChar char=""/>
+            </a:pPr>
+            <a:r>
+              <a:rPr b="0" lang="en-US" sz="1800" spc="-1" strike="noStrike">
+                <a:solidFill>
+                  <a:srgbClr val="000000"/>
+                </a:solidFill>
+                <a:uFill>
+                  <a:solidFill>
+                    <a:srgbClr val="ffffff"/>
+                  </a:solidFill>
+                </a:uFill>
+                <a:latin typeface="Arial"/>
+                <a:ea typeface="Arial"/>
+              </a:rPr>
+              <a:t> </a:t>
+            </a:r>
+            <a:endParaRPr b="0" lang="en-US" sz="1800" spc="-1" strike="noStrike">
+              <a:solidFill>
+                <a:srgbClr val="000000"/>
+              </a:solidFill>
+              <a:uFill>
+                <a:solidFill>
+                  <a:srgbClr val="ffffff"/>
+                </a:solidFill>
+              </a:uFill>
+              <a:latin typeface="Arial"/>
+            </a:endParaRPr>
+          </a:p>
+          <a:p>
+            <a:pPr>
+              <a:lnSpc>
+                <a:spcPct val="100000"/>
+              </a:lnSpc>
+            </a:pPr>
+            <a:r>
+              <a:rPr b="0" lang="en-US" sz="1800" spc="-1" strike="noStrike">
+                <a:solidFill>
+                  <a:srgbClr val="000000"/>
+                </a:solidFill>
+                <a:uFill>
+                  <a:solidFill>
+                    <a:srgbClr val="ffffff"/>
+                  </a:solidFill>
+                </a:uFill>
+                <a:latin typeface="Arial"/>
+                <a:ea typeface="Arial"/>
+              </a:rPr>
+              <a:t>Automatic cluster extraction from the plot</a:t>
+            </a:r>
+            <a:endParaRPr b="0" lang="en-US" sz="1800" spc="-1" strike="noStrike">
+              <a:solidFill>
+                <a:srgbClr val="000000"/>
+              </a:solidFill>
+              <a:uFill>
+                <a:solidFill>
+                  <a:srgbClr val="ffffff"/>
+                </a:solidFill>
+              </a:uFill>
+              <a:latin typeface="Arial"/>
+            </a:endParaRPr>
+          </a:p>
+          <a:p>
+            <a:pPr>
+              <a:lnSpc>
+                <a:spcPct val="100000"/>
+              </a:lnSpc>
+            </a:pPr>
             <a:endParaRPr b="0" lang="en-US" sz="1800" spc="-1" strike="noStrike">
               <a:solidFill>
                 <a:srgbClr val="000000"/>
@@ -10793,8 +10855,8 @@
         </p:blipFill>
         <p:spPr>
           <a:xfrm>
-            <a:off x="4572360" y="2172600"/>
-            <a:ext cx="4124160" cy="1762920"/>
+            <a:off x="5659560" y="1468080"/>
+            <a:ext cx="2568960" cy="2279880"/>
           </a:xfrm>
           <a:prstGeom prst="rect">
             <a:avLst/>
@@ -10816,8 +10878,8 @@
         </p:blipFill>
         <p:spPr>
           <a:xfrm>
-            <a:off x="4824360" y="3909960"/>
-            <a:ext cx="3757680" cy="852480"/>
+            <a:off x="4690080" y="3885840"/>
+            <a:ext cx="4202640" cy="1695600"/>
           </a:xfrm>
           <a:prstGeom prst="rect">
             <a:avLst/>
@@ -10885,7 +10947,7 @@
         <p:spPr>
           <a:xfrm>
             <a:off x="539640" y="476640"/>
-            <a:ext cx="6478200" cy="810360"/>
+            <a:ext cx="6477480" cy="809640"/>
           </a:xfrm>
           <a:prstGeom prst="rect">
             <a:avLst/>
@@ -10922,7 +10984,7 @@
                 <a:latin typeface="Arial"/>
                 <a:ea typeface="MS PGothic"/>
               </a:rPr>
-              <a:t>Self-tuning Spectral Clustering</a:t>
+              <a:t>OPTICS</a:t>
             </a:r>
             <a:r>
               <a:rPr b="0" lang="en-US" sz="2800" spc="-1" strike="noStrike" baseline="33000">
@@ -10937,7 +10999,7 @@
                 <a:latin typeface="Arial"/>
                 <a:ea typeface="MS PGothic"/>
               </a:rPr>
-              <a:t>[2]</a:t>
+              <a:t>[1]</a:t>
             </a:r>
             <a:r>
               <a:rPr b="0" lang="en-US" sz="2800" spc="-1" strike="noStrike">
@@ -10977,7 +11039,7 @@
         <p:spPr>
           <a:xfrm>
             <a:off x="539640" y="6295320"/>
-            <a:ext cx="5477760" cy="362520"/>
+            <a:ext cx="5477040" cy="361800"/>
           </a:xfrm>
           <a:prstGeom prst="rect">
             <a:avLst/>
@@ -11075,7 +11137,7 @@
         <p:spPr>
           <a:xfrm>
             <a:off x="8607600" y="6492960"/>
-            <a:ext cx="533880" cy="362520"/>
+            <a:ext cx="533160" cy="361800"/>
           </a:xfrm>
           <a:prstGeom prst="rect">
             <a:avLst/>
@@ -11101,7 +11163,7 @@
         <p:spPr>
           <a:xfrm>
             <a:off x="365760" y="1463040"/>
-            <a:ext cx="8318880" cy="4386960"/>
+            <a:ext cx="8318160" cy="4386240"/>
           </a:xfrm>
           <a:prstGeom prst="rect">
             <a:avLst/>
@@ -11133,7 +11195,7 @@
                 <a:latin typeface="Arial"/>
                 <a:ea typeface="DejaVu Sans"/>
               </a:rPr>
-              <a:t>Implementations already available in: C++ and Matlab</a:t>
+              <a:t>Implementations already available in: Java, Python, R and Matlab.</a:t>
             </a:r>
             <a:endParaRPr b="0" lang="en-US" sz="1800" spc="-1" strike="noStrike">
               <a:solidFill>
@@ -11189,7 +11251,7 @@
             </a:endParaRPr>
           </a:p>
           <a:p>
-            <a:pPr marL="457200" indent="-214200">
+            <a:pPr marL="457200" indent="-213480">
               <a:lnSpc>
                 <a:spcPct val="100000"/>
               </a:lnSpc>
@@ -11213,7 +11275,7 @@
                 <a:latin typeface="Arial"/>
                 <a:ea typeface="DejaVu Sans"/>
               </a:rPr>
-              <a:t>Investigate the construction of the affinity matrix</a:t>
+              <a:t>Comparison of the different Implementations, with the focus on the automatic extraction</a:t>
             </a:r>
             <a:endParaRPr b="0" lang="en-US" sz="1800" spc="-1" strike="noStrike">
               <a:solidFill>
@@ -11228,46 +11290,7 @@
             </a:endParaRPr>
           </a:p>
           <a:p>
-            <a:pPr marL="457200" indent="-214200">
-              <a:lnSpc>
-                <a:spcPct val="100000"/>
-              </a:lnSpc>
-              <a:buClr>
-                <a:srgbClr val="000000"/>
-              </a:buClr>
-              <a:buSzPct val="45000"/>
-              <a:buFont typeface="Wingdings" charset="2"/>
-              <a:buChar char=""/>
-            </a:pPr>
-            <a:r>
-              <a:rPr b="0" lang="en-US" sz="1800" spc="-1" strike="noStrike">
-                <a:solidFill>
-                  <a:srgbClr val="000000"/>
-                </a:solidFill>
-                <a:uFill>
-                  <a:solidFill>
-                    <a:srgbClr val="ffffff"/>
-                  </a:solidFill>
-                </a:uFill>
-                <a:latin typeface="Arial"/>
-                <a:ea typeface="DejaVu Sans"/>
-              </a:rPr>
-              <a:t>Comparison with OPTICS</a:t>
-            </a:r>
-            <a:endParaRPr b="0" lang="en-US" sz="1800" spc="-1" strike="noStrike">
-              <a:solidFill>
-                <a:srgbClr val="000000"/>
-              </a:solidFill>
-              <a:uFill>
-                <a:solidFill>
-                  <a:srgbClr val="ffffff"/>
-                </a:solidFill>
-              </a:uFill>
-              <a:latin typeface="Arial"/>
-            </a:endParaRPr>
-          </a:p>
-          <a:p>
-            <a:pPr marL="457200" indent="-214200">
+            <a:pPr marL="457200" indent="-213480">
               <a:lnSpc>
                 <a:spcPct val="100000"/>
               </a:lnSpc>
@@ -11342,7 +11365,7 @@
                 <a:latin typeface="Arial"/>
                 <a:ea typeface="DejaVu Sans"/>
               </a:rPr>
-              <a:t>Problems:</a:t>
+              <a:t>Problem:</a:t>
             </a:r>
             <a:endParaRPr b="0" lang="en-US" sz="1800" spc="-1" strike="noStrike">
               <a:solidFill>
@@ -11357,7 +11380,7 @@
             </a:endParaRPr>
           </a:p>
           <a:p>
-            <a:pPr marL="457200" indent="-214200">
+            <a:pPr marL="457200" indent="-213480">
               <a:lnSpc>
                 <a:spcPct val="100000"/>
               </a:lnSpc>
@@ -11381,46 +11404,7 @@
                 <a:latin typeface="Arial"/>
                 <a:ea typeface="DejaVu Sans"/>
               </a:rPr>
-              <a:t>Running C++ code with multi dimensional points</a:t>
-            </a:r>
-            <a:endParaRPr b="0" lang="en-US" sz="1800" spc="-1" strike="noStrike">
-              <a:solidFill>
-                <a:srgbClr val="000000"/>
-              </a:solidFill>
-              <a:uFill>
-                <a:solidFill>
-                  <a:srgbClr val="ffffff"/>
-                </a:solidFill>
-              </a:uFill>
-              <a:latin typeface="Arial"/>
-            </a:endParaRPr>
-          </a:p>
-          <a:p>
-            <a:pPr marL="457200" indent="-214200">
-              <a:lnSpc>
-                <a:spcPct val="100000"/>
-              </a:lnSpc>
-              <a:buClr>
-                <a:srgbClr val="000000"/>
-              </a:buClr>
-              <a:buSzPct val="45000"/>
-              <a:buFont typeface="Wingdings" charset="2"/>
-              <a:buChar char=""/>
-            </a:pPr>
-            <a:r>
-              <a:rPr b="0" lang="en-US" sz="1800" spc="-1" strike="noStrike">
-                <a:solidFill>
-                  <a:srgbClr val="000000"/>
-                </a:solidFill>
-                <a:uFill>
-                  <a:solidFill>
-                    <a:srgbClr val="ffffff"/>
-                  </a:solidFill>
-                </a:uFill>
-                <a:latin typeface="Arial"/>
-                <a:ea typeface="DejaVu Sans"/>
-              </a:rPr>
-              <a:t>Efficiency Problem: Finds all the Eigenvectors</a:t>
+              <a:t>Not all implementations extract automatically the clusters</a:t>
             </a:r>
             <a:endParaRPr b="0" lang="en-US" sz="1800" spc="-1" strike="noStrike">
               <a:solidFill>
@@ -11512,7 +11496,7 @@
         <p:spPr>
           <a:xfrm>
             <a:off x="539640" y="3812400"/>
-            <a:ext cx="8057880" cy="1473480"/>
+            <a:ext cx="8057160" cy="1472760"/>
           </a:xfrm>
           <a:prstGeom prst="rect">
             <a:avLst/>
@@ -11574,7 +11558,7 @@
         <p:spPr>
           <a:xfrm>
             <a:off x="539640" y="2906640"/>
-            <a:ext cx="8058960" cy="879840"/>
+            <a:ext cx="8058240" cy="879120"/>
           </a:xfrm>
           <a:prstGeom prst="rect">
             <a:avLst/>
@@ -11600,7 +11584,7 @@
         <p:spPr>
           <a:xfrm>
             <a:off x="8607600" y="6492960"/>
-            <a:ext cx="533880" cy="362520"/>
+            <a:ext cx="533160" cy="361800"/>
           </a:xfrm>
           <a:prstGeom prst="rect">
             <a:avLst/>
@@ -11675,7 +11659,7 @@
         <p:spPr>
           <a:xfrm>
             <a:off x="539640" y="476640"/>
-            <a:ext cx="6478200" cy="810360"/>
+            <a:ext cx="6477480" cy="809640"/>
           </a:xfrm>
           <a:prstGeom prst="rect">
             <a:avLst/>
@@ -11737,7 +11721,7 @@
         <p:spPr>
           <a:xfrm>
             <a:off x="539640" y="6295320"/>
-            <a:ext cx="5477760" cy="362520"/>
+            <a:ext cx="5477040" cy="361800"/>
           </a:xfrm>
           <a:prstGeom prst="rect">
             <a:avLst/>
@@ -11835,7 +11819,7 @@
         <p:spPr>
           <a:xfrm>
             <a:off x="8607600" y="6492960"/>
-            <a:ext cx="533880" cy="362520"/>
+            <a:ext cx="533160" cy="361800"/>
           </a:xfrm>
           <a:prstGeom prst="rect">
             <a:avLst/>
@@ -11861,7 +11845,7 @@
         <p:spPr>
           <a:xfrm>
             <a:off x="4529880" y="2377440"/>
-            <a:ext cx="3332160" cy="1362240"/>
+            <a:ext cx="3331440" cy="1361520"/>
           </a:xfrm>
           <a:prstGeom prst="rect">
             <a:avLst/>
@@ -11891,7 +11875,7 @@
         <p:spPr>
           <a:xfrm>
             <a:off x="84240" y="1563120"/>
-            <a:ext cx="8912160" cy="4105440"/>
+            <a:ext cx="8911440" cy="4104720"/>
           </a:xfrm>
           <a:prstGeom prst="rect">
             <a:avLst/>
